--- a/images/theory_analysis/Linux_Netfilter_iptables/Linux_netfilter_iptables.pptx
+++ b/images/theory_analysis/Linux_Netfilter_iptables/Linux_netfilter_iptables.pptx
@@ -5,10 +5,11 @@
     <p:sldMasterId id="2147483648" r:id="rId1"/>
   </p:sldMasterIdLst>
   <p:notesMasterIdLst>
-    <p:notesMasterId r:id="rId3"/>
+    <p:notesMasterId r:id="rId4"/>
   </p:notesMasterIdLst>
   <p:sldIdLst>
-    <p:sldId id="360" r:id="rId2"/>
+    <p:sldId id="361" r:id="rId2"/>
+    <p:sldId id="360" r:id="rId3"/>
   </p:sldIdLst>
   <p:sldSz cx="9144000" cy="5143500" type="screen16x9"/>
   <p:notesSz cx="6858000" cy="9144000"/>
@@ -213,7 +214,7 @@
           <a:p>
             <a:fld id="{6CD5550B-26C4-49A9-A5BA-636EF7BE6CE9}" type="datetimeFigureOut">
               <a:rPr lang="ko-KR" altLang="en-US" smtClean="0"/>
-              <a:t>2017-04-23</a:t>
+              <a:t>2019-04-04</a:t>
             </a:fld>
             <a:endParaRPr lang="ko-KR" altLang="en-US"/>
           </a:p>
@@ -277,38 +278,37 @@
           <a:p>
             <a:pPr lvl="0"/>
             <a:r>
-              <a:rPr lang="ko-KR" altLang="en-US" smtClean="0"/>
+              <a:rPr lang="ko-KR" altLang="en-US"/>
               <a:t>마스터 텍스트 스타일을 편집합니다</a:t>
             </a:r>
           </a:p>
           <a:p>
             <a:pPr lvl="1"/>
             <a:r>
-              <a:rPr lang="ko-KR" altLang="en-US" smtClean="0"/>
+              <a:rPr lang="ko-KR" altLang="en-US"/>
               <a:t>둘째 수준</a:t>
             </a:r>
           </a:p>
           <a:p>
             <a:pPr lvl="2"/>
             <a:r>
-              <a:rPr lang="ko-KR" altLang="en-US" smtClean="0"/>
+              <a:rPr lang="ko-KR" altLang="en-US"/>
               <a:t>셋째 수준</a:t>
             </a:r>
           </a:p>
           <a:p>
             <a:pPr lvl="3"/>
             <a:r>
-              <a:rPr lang="ko-KR" altLang="en-US" smtClean="0"/>
+              <a:rPr lang="ko-KR" altLang="en-US"/>
               <a:t>넷째 수준</a:t>
             </a:r>
           </a:p>
           <a:p>
             <a:pPr lvl="4"/>
             <a:r>
-              <a:rPr lang="ko-KR" altLang="en-US" smtClean="0"/>
+              <a:rPr lang="ko-KR" altLang="en-US"/>
               <a:t>다섯째 수준</a:t>
             </a:r>
-            <a:endParaRPr lang="ko-KR" altLang="en-US"/>
           </a:p>
         </p:txBody>
       </p:sp>
@@ -555,6 +555,90 @@
     </p:spTree>
     <p:extLst>
       <p:ext uri="{BB962C8B-B14F-4D97-AF65-F5344CB8AC3E}">
+        <p14:creationId xmlns:p14="http://schemas.microsoft.com/office/powerpoint/2010/main" val="143985425"/>
+      </p:ext>
+    </p:extLst>
+  </p:cSld>
+  <p:clrMapOvr>
+    <a:masterClrMapping/>
+  </p:clrMapOvr>
+</p:notes>
+</file>
+
+<file path=ppt/notesSlides/notesSlide2.xml><?xml version="1.0" encoding="utf-8"?>
+<p:notes xmlns:a="http://schemas.openxmlformats.org/drawingml/2006/main" xmlns:r="http://schemas.openxmlformats.org/officeDocument/2006/relationships" xmlns:p="http://schemas.openxmlformats.org/presentationml/2006/main">
+  <p:cSld>
+    <p:spTree>
+      <p:nvGrpSpPr>
+        <p:cNvPr id="1" name=""/>
+        <p:cNvGrpSpPr/>
+        <p:nvPr/>
+      </p:nvGrpSpPr>
+      <p:grpSpPr>
+        <a:xfrm>
+          <a:off x="0" y="0"/>
+          <a:ext cx="0" cy="0"/>
+          <a:chOff x="0" y="0"/>
+          <a:chExt cx="0" cy="0"/>
+        </a:xfrm>
+      </p:grpSpPr>
+      <p:sp>
+        <p:nvSpPr>
+          <p:cNvPr id="2" name="슬라이드 이미지 개체 틀 1"/>
+          <p:cNvSpPr>
+            <a:spLocks noGrp="1" noRot="1" noChangeAspect="1"/>
+          </p:cNvSpPr>
+          <p:nvPr>
+            <p:ph type="sldImg"/>
+          </p:nvPr>
+        </p:nvSpPr>
+        <p:spPr/>
+      </p:sp>
+      <p:sp>
+        <p:nvSpPr>
+          <p:cNvPr id="3" name="슬라이드 노트 개체 틀 2"/>
+          <p:cNvSpPr>
+            <a:spLocks noGrp="1"/>
+          </p:cNvSpPr>
+          <p:nvPr>
+            <p:ph type="body" idx="1"/>
+          </p:nvPr>
+        </p:nvSpPr>
+        <p:spPr/>
+        <p:txBody>
+          <a:bodyPr/>
+          <a:lstStyle/>
+          <a:p>
+            <a:endParaRPr lang="ko-KR" altLang="en-US" dirty="0"/>
+          </a:p>
+        </p:txBody>
+      </p:sp>
+      <p:sp>
+        <p:nvSpPr>
+          <p:cNvPr id="4" name="슬라이드 번호 개체 틀 3"/>
+          <p:cNvSpPr>
+            <a:spLocks noGrp="1"/>
+          </p:cNvSpPr>
+          <p:nvPr>
+            <p:ph type="sldNum" sz="quarter" idx="10"/>
+          </p:nvPr>
+        </p:nvSpPr>
+        <p:spPr/>
+        <p:txBody>
+          <a:bodyPr/>
+          <a:lstStyle/>
+          <a:p>
+            <a:fld id="{BA5DFA43-8D57-47FB-BC46-057616015C3B}" type="slidenum">
+              <a:rPr lang="ko-KR" altLang="en-US" smtClean="0"/>
+              <a:t>2</a:t>
+            </a:fld>
+            <a:endParaRPr lang="ko-KR" altLang="en-US"/>
+          </a:p>
+        </p:txBody>
+      </p:sp>
+    </p:spTree>
+    <p:extLst>
+      <p:ext uri="{BB962C8B-B14F-4D97-AF65-F5344CB8AC3E}">
         <p14:creationId xmlns:p14="http://schemas.microsoft.com/office/powerpoint/2010/main" val="2887953239"/>
       </p:ext>
     </p:extLst>
@@ -603,10 +687,9 @@
           <a:lstStyle/>
           <a:p>
             <a:r>
-              <a:rPr lang="ko-KR" altLang="en-US" smtClean="0"/>
+              <a:rPr lang="ko-KR" altLang="en-US"/>
               <a:t>마스터 제목 스타일 편집</a:t>
             </a:r>
-            <a:endParaRPr lang="ko-KR" altLang="en-US"/>
           </a:p>
         </p:txBody>
       </p:sp>
@@ -722,10 +805,9 @@
           </a:lstStyle>
           <a:p>
             <a:r>
-              <a:rPr lang="ko-KR" altLang="en-US" smtClean="0"/>
+              <a:rPr lang="ko-KR" altLang="en-US"/>
               <a:t>마스터 부제목 스타일 편집</a:t>
             </a:r>
-            <a:endParaRPr lang="ko-KR" altLang="en-US"/>
           </a:p>
         </p:txBody>
       </p:sp>
@@ -746,7 +828,7 @@
           <a:p>
             <a:fld id="{FB30EDBD-1C2D-4C1E-B459-B60219FAB484}" type="datetimeFigureOut">
               <a:rPr lang="ko-KR" altLang="en-US" smtClean="0"/>
-              <a:t>2017-04-23</a:t>
+              <a:t>2019-04-04</a:t>
             </a:fld>
             <a:endParaRPr lang="ko-KR" altLang="en-US"/>
           </a:p>
@@ -835,10 +917,9 @@
           <a:lstStyle/>
           <a:p>
             <a:r>
-              <a:rPr lang="ko-KR" altLang="en-US" smtClean="0"/>
+              <a:rPr lang="ko-KR" altLang="en-US"/>
               <a:t>마스터 제목 스타일 편집</a:t>
             </a:r>
-            <a:endParaRPr lang="ko-KR" altLang="en-US"/>
           </a:p>
         </p:txBody>
       </p:sp>
@@ -859,38 +940,37 @@
           <a:p>
             <a:pPr lvl="0"/>
             <a:r>
-              <a:rPr lang="ko-KR" altLang="en-US" smtClean="0"/>
+              <a:rPr lang="ko-KR" altLang="en-US"/>
               <a:t>마스터 텍스트 스타일을 편집합니다</a:t>
             </a:r>
           </a:p>
           <a:p>
             <a:pPr lvl="1"/>
             <a:r>
-              <a:rPr lang="ko-KR" altLang="en-US" smtClean="0"/>
+              <a:rPr lang="ko-KR" altLang="en-US"/>
               <a:t>둘째 수준</a:t>
             </a:r>
           </a:p>
           <a:p>
             <a:pPr lvl="2"/>
             <a:r>
-              <a:rPr lang="ko-KR" altLang="en-US" smtClean="0"/>
+              <a:rPr lang="ko-KR" altLang="en-US"/>
               <a:t>셋째 수준</a:t>
             </a:r>
           </a:p>
           <a:p>
             <a:pPr lvl="3"/>
             <a:r>
-              <a:rPr lang="ko-KR" altLang="en-US" smtClean="0"/>
+              <a:rPr lang="ko-KR" altLang="en-US"/>
               <a:t>넷째 수준</a:t>
             </a:r>
           </a:p>
           <a:p>
             <a:pPr lvl="4"/>
             <a:r>
-              <a:rPr lang="ko-KR" altLang="en-US" smtClean="0"/>
+              <a:rPr lang="ko-KR" altLang="en-US"/>
               <a:t>다섯째 수준</a:t>
             </a:r>
-            <a:endParaRPr lang="ko-KR" altLang="en-US"/>
           </a:p>
         </p:txBody>
       </p:sp>
@@ -911,7 +991,7 @@
           <a:p>
             <a:fld id="{FB30EDBD-1C2D-4C1E-B459-B60219FAB484}" type="datetimeFigureOut">
               <a:rPr lang="ko-KR" altLang="en-US" smtClean="0"/>
-              <a:t>2017-04-23</a:t>
+              <a:t>2019-04-04</a:t>
             </a:fld>
             <a:endParaRPr lang="ko-KR" altLang="en-US"/>
           </a:p>
@@ -1005,10 +1085,9 @@
           <a:lstStyle/>
           <a:p>
             <a:r>
-              <a:rPr lang="ko-KR" altLang="en-US" smtClean="0"/>
+              <a:rPr lang="ko-KR" altLang="en-US"/>
               <a:t>마스터 제목 스타일 편집</a:t>
             </a:r>
-            <a:endParaRPr lang="ko-KR" altLang="en-US"/>
           </a:p>
         </p:txBody>
       </p:sp>
@@ -1034,38 +1113,37 @@
           <a:p>
             <a:pPr lvl="0"/>
             <a:r>
-              <a:rPr lang="ko-KR" altLang="en-US" smtClean="0"/>
+              <a:rPr lang="ko-KR" altLang="en-US"/>
               <a:t>마스터 텍스트 스타일을 편집합니다</a:t>
             </a:r>
           </a:p>
           <a:p>
             <a:pPr lvl="1"/>
             <a:r>
-              <a:rPr lang="ko-KR" altLang="en-US" smtClean="0"/>
+              <a:rPr lang="ko-KR" altLang="en-US"/>
               <a:t>둘째 수준</a:t>
             </a:r>
           </a:p>
           <a:p>
             <a:pPr lvl="2"/>
             <a:r>
-              <a:rPr lang="ko-KR" altLang="en-US" smtClean="0"/>
+              <a:rPr lang="ko-KR" altLang="en-US"/>
               <a:t>셋째 수준</a:t>
             </a:r>
           </a:p>
           <a:p>
             <a:pPr lvl="3"/>
             <a:r>
-              <a:rPr lang="ko-KR" altLang="en-US" smtClean="0"/>
+              <a:rPr lang="ko-KR" altLang="en-US"/>
               <a:t>넷째 수준</a:t>
             </a:r>
           </a:p>
           <a:p>
             <a:pPr lvl="4"/>
             <a:r>
-              <a:rPr lang="ko-KR" altLang="en-US" smtClean="0"/>
+              <a:rPr lang="ko-KR" altLang="en-US"/>
               <a:t>다섯째 수준</a:t>
             </a:r>
-            <a:endParaRPr lang="ko-KR" altLang="en-US"/>
           </a:p>
         </p:txBody>
       </p:sp>
@@ -1086,7 +1164,7 @@
           <a:p>
             <a:fld id="{FB30EDBD-1C2D-4C1E-B459-B60219FAB484}" type="datetimeFigureOut">
               <a:rPr lang="ko-KR" altLang="en-US" smtClean="0"/>
-              <a:t>2017-04-23</a:t>
+              <a:t>2019-04-04</a:t>
             </a:fld>
             <a:endParaRPr lang="ko-KR" altLang="en-US"/>
           </a:p>
@@ -1175,10 +1253,9 @@
           <a:lstStyle/>
           <a:p>
             <a:r>
-              <a:rPr lang="ko-KR" altLang="en-US" smtClean="0"/>
+              <a:rPr lang="ko-KR" altLang="en-US"/>
               <a:t>마스터 제목 스타일 편집</a:t>
             </a:r>
-            <a:endParaRPr lang="ko-KR" altLang="en-US"/>
           </a:p>
         </p:txBody>
       </p:sp>
@@ -1199,38 +1276,37 @@
           <a:p>
             <a:pPr lvl="0"/>
             <a:r>
-              <a:rPr lang="ko-KR" altLang="en-US" smtClean="0"/>
+              <a:rPr lang="ko-KR" altLang="en-US"/>
               <a:t>마스터 텍스트 스타일을 편집합니다</a:t>
             </a:r>
           </a:p>
           <a:p>
             <a:pPr lvl="1"/>
             <a:r>
-              <a:rPr lang="ko-KR" altLang="en-US" smtClean="0"/>
+              <a:rPr lang="ko-KR" altLang="en-US"/>
               <a:t>둘째 수준</a:t>
             </a:r>
           </a:p>
           <a:p>
             <a:pPr lvl="2"/>
             <a:r>
-              <a:rPr lang="ko-KR" altLang="en-US" smtClean="0"/>
+              <a:rPr lang="ko-KR" altLang="en-US"/>
               <a:t>셋째 수준</a:t>
             </a:r>
           </a:p>
           <a:p>
             <a:pPr lvl="3"/>
             <a:r>
-              <a:rPr lang="ko-KR" altLang="en-US" smtClean="0"/>
+              <a:rPr lang="ko-KR" altLang="en-US"/>
               <a:t>넷째 수준</a:t>
             </a:r>
           </a:p>
           <a:p>
             <a:pPr lvl="4"/>
             <a:r>
-              <a:rPr lang="ko-KR" altLang="en-US" smtClean="0"/>
+              <a:rPr lang="ko-KR" altLang="en-US"/>
               <a:t>다섯째 수준</a:t>
             </a:r>
-            <a:endParaRPr lang="ko-KR" altLang="en-US"/>
           </a:p>
         </p:txBody>
       </p:sp>
@@ -1251,7 +1327,7 @@
           <a:p>
             <a:fld id="{FB30EDBD-1C2D-4C1E-B459-B60219FAB484}" type="datetimeFigureOut">
               <a:rPr lang="ko-KR" altLang="en-US" smtClean="0"/>
-              <a:t>2017-04-23</a:t>
+              <a:t>2019-04-04</a:t>
             </a:fld>
             <a:endParaRPr lang="ko-KR" altLang="en-US"/>
           </a:p>
@@ -1304,13 +1380,6 @@
   <p:clrMapOvr>
     <a:masterClrMapping/>
   </p:clrMapOvr>
-  <p:timing>
-    <p:tnLst>
-      <p:par>
-        <p:cTn id="1" dur="indefinite" restart="never" nodeType="tmRoot"/>
-      </p:par>
-    </p:tnLst>
-  </p:timing>
 </p:sldLayout>
 </file>
 
@@ -1356,10 +1425,9 @@
           </a:lstStyle>
           <a:p>
             <a:r>
-              <a:rPr lang="ko-KR" altLang="en-US" smtClean="0"/>
+              <a:rPr lang="ko-KR" altLang="en-US"/>
               <a:t>마스터 제목 스타일 편집</a:t>
             </a:r>
-            <a:endParaRPr lang="ko-KR" altLang="en-US"/>
           </a:p>
         </p:txBody>
       </p:sp>
@@ -1476,7 +1544,7 @@
           <a:p>
             <a:pPr lvl="0"/>
             <a:r>
-              <a:rPr lang="ko-KR" altLang="en-US" smtClean="0"/>
+              <a:rPr lang="ko-KR" altLang="en-US"/>
               <a:t>마스터 텍스트 스타일을 편집합니다</a:t>
             </a:r>
           </a:p>
@@ -1499,7 +1567,7 @@
           <a:p>
             <a:fld id="{FB30EDBD-1C2D-4C1E-B459-B60219FAB484}" type="datetimeFigureOut">
               <a:rPr lang="ko-KR" altLang="en-US" smtClean="0"/>
-              <a:t>2017-04-23</a:t>
+              <a:t>2019-04-04</a:t>
             </a:fld>
             <a:endParaRPr lang="ko-KR" altLang="en-US"/>
           </a:p>
@@ -1588,10 +1656,9 @@
           <a:lstStyle/>
           <a:p>
             <a:r>
-              <a:rPr lang="ko-KR" altLang="en-US" smtClean="0"/>
+              <a:rPr lang="ko-KR" altLang="en-US"/>
               <a:t>마스터 제목 스타일 편집</a:t>
             </a:r>
-            <a:endParaRPr lang="ko-KR" altLang="en-US"/>
           </a:p>
         </p:txBody>
       </p:sp>
@@ -1645,38 +1712,37 @@
           <a:p>
             <a:pPr lvl="0"/>
             <a:r>
-              <a:rPr lang="ko-KR" altLang="en-US" smtClean="0"/>
+              <a:rPr lang="ko-KR" altLang="en-US"/>
               <a:t>마스터 텍스트 스타일을 편집합니다</a:t>
             </a:r>
           </a:p>
           <a:p>
             <a:pPr lvl="1"/>
             <a:r>
-              <a:rPr lang="ko-KR" altLang="en-US" smtClean="0"/>
+              <a:rPr lang="ko-KR" altLang="en-US"/>
               <a:t>둘째 수준</a:t>
             </a:r>
           </a:p>
           <a:p>
             <a:pPr lvl="2"/>
             <a:r>
-              <a:rPr lang="ko-KR" altLang="en-US" smtClean="0"/>
+              <a:rPr lang="ko-KR" altLang="en-US"/>
               <a:t>셋째 수준</a:t>
             </a:r>
           </a:p>
           <a:p>
             <a:pPr lvl="3"/>
             <a:r>
-              <a:rPr lang="ko-KR" altLang="en-US" smtClean="0"/>
+              <a:rPr lang="ko-KR" altLang="en-US"/>
               <a:t>넷째 수준</a:t>
             </a:r>
           </a:p>
           <a:p>
             <a:pPr lvl="4"/>
             <a:r>
-              <a:rPr lang="ko-KR" altLang="en-US" smtClean="0"/>
+              <a:rPr lang="ko-KR" altLang="en-US"/>
               <a:t>다섯째 수준</a:t>
             </a:r>
-            <a:endParaRPr lang="ko-KR" altLang="en-US"/>
           </a:p>
         </p:txBody>
       </p:sp>
@@ -1730,38 +1796,37 @@
           <a:p>
             <a:pPr lvl="0"/>
             <a:r>
-              <a:rPr lang="ko-KR" altLang="en-US" smtClean="0"/>
+              <a:rPr lang="ko-KR" altLang="en-US"/>
               <a:t>마스터 텍스트 스타일을 편집합니다</a:t>
             </a:r>
           </a:p>
           <a:p>
             <a:pPr lvl="1"/>
             <a:r>
-              <a:rPr lang="ko-KR" altLang="en-US" smtClean="0"/>
+              <a:rPr lang="ko-KR" altLang="en-US"/>
               <a:t>둘째 수준</a:t>
             </a:r>
           </a:p>
           <a:p>
             <a:pPr lvl="2"/>
             <a:r>
-              <a:rPr lang="ko-KR" altLang="en-US" smtClean="0"/>
+              <a:rPr lang="ko-KR" altLang="en-US"/>
               <a:t>셋째 수준</a:t>
             </a:r>
           </a:p>
           <a:p>
             <a:pPr lvl="3"/>
             <a:r>
-              <a:rPr lang="ko-KR" altLang="en-US" smtClean="0"/>
+              <a:rPr lang="ko-KR" altLang="en-US"/>
               <a:t>넷째 수준</a:t>
             </a:r>
           </a:p>
           <a:p>
             <a:pPr lvl="4"/>
             <a:r>
-              <a:rPr lang="ko-KR" altLang="en-US" smtClean="0"/>
+              <a:rPr lang="ko-KR" altLang="en-US"/>
               <a:t>다섯째 수준</a:t>
             </a:r>
-            <a:endParaRPr lang="ko-KR" altLang="en-US"/>
           </a:p>
         </p:txBody>
       </p:sp>
@@ -1782,7 +1847,7 @@
           <a:p>
             <a:fld id="{FB30EDBD-1C2D-4C1E-B459-B60219FAB484}" type="datetimeFigureOut">
               <a:rPr lang="ko-KR" altLang="en-US" smtClean="0"/>
-              <a:t>2017-04-23</a:t>
+              <a:t>2019-04-04</a:t>
             </a:fld>
             <a:endParaRPr lang="ko-KR" altLang="en-US"/>
           </a:p>
@@ -1875,10 +1940,9 @@
           </a:lstStyle>
           <a:p>
             <a:r>
-              <a:rPr lang="ko-KR" altLang="en-US" smtClean="0"/>
+              <a:rPr lang="ko-KR" altLang="en-US"/>
               <a:t>마스터 제목 스타일 편집</a:t>
             </a:r>
-            <a:endParaRPr lang="ko-KR" altLang="en-US"/>
           </a:p>
         </p:txBody>
       </p:sp>
@@ -1941,7 +2005,7 @@
           <a:p>
             <a:pPr lvl="0"/>
             <a:r>
-              <a:rPr lang="ko-KR" altLang="en-US" smtClean="0"/>
+              <a:rPr lang="ko-KR" altLang="en-US"/>
               <a:t>마스터 텍스트 스타일을 편집합니다</a:t>
             </a:r>
           </a:p>
@@ -1997,38 +2061,37 @@
           <a:p>
             <a:pPr lvl="0"/>
             <a:r>
-              <a:rPr lang="ko-KR" altLang="en-US" smtClean="0"/>
+              <a:rPr lang="ko-KR" altLang="en-US"/>
               <a:t>마스터 텍스트 스타일을 편집합니다</a:t>
             </a:r>
           </a:p>
           <a:p>
             <a:pPr lvl="1"/>
             <a:r>
-              <a:rPr lang="ko-KR" altLang="en-US" smtClean="0"/>
+              <a:rPr lang="ko-KR" altLang="en-US"/>
               <a:t>둘째 수준</a:t>
             </a:r>
           </a:p>
           <a:p>
             <a:pPr lvl="2"/>
             <a:r>
-              <a:rPr lang="ko-KR" altLang="en-US" smtClean="0"/>
+              <a:rPr lang="ko-KR" altLang="en-US"/>
               <a:t>셋째 수준</a:t>
             </a:r>
           </a:p>
           <a:p>
             <a:pPr lvl="3"/>
             <a:r>
-              <a:rPr lang="ko-KR" altLang="en-US" smtClean="0"/>
+              <a:rPr lang="ko-KR" altLang="en-US"/>
               <a:t>넷째 수준</a:t>
             </a:r>
           </a:p>
           <a:p>
             <a:pPr lvl="4"/>
             <a:r>
-              <a:rPr lang="ko-KR" altLang="en-US" smtClean="0"/>
+              <a:rPr lang="ko-KR" altLang="en-US"/>
               <a:t>다섯째 수준</a:t>
             </a:r>
-            <a:endParaRPr lang="ko-KR" altLang="en-US"/>
           </a:p>
         </p:txBody>
       </p:sp>
@@ -2091,7 +2154,7 @@
           <a:p>
             <a:pPr lvl="0"/>
             <a:r>
-              <a:rPr lang="ko-KR" altLang="en-US" smtClean="0"/>
+              <a:rPr lang="ko-KR" altLang="en-US"/>
               <a:t>마스터 텍스트 스타일을 편집합니다</a:t>
             </a:r>
           </a:p>
@@ -2147,38 +2210,37 @@
           <a:p>
             <a:pPr lvl="0"/>
             <a:r>
-              <a:rPr lang="ko-KR" altLang="en-US" smtClean="0"/>
+              <a:rPr lang="ko-KR" altLang="en-US"/>
               <a:t>마스터 텍스트 스타일을 편집합니다</a:t>
             </a:r>
           </a:p>
           <a:p>
             <a:pPr lvl="1"/>
             <a:r>
-              <a:rPr lang="ko-KR" altLang="en-US" smtClean="0"/>
+              <a:rPr lang="ko-KR" altLang="en-US"/>
               <a:t>둘째 수준</a:t>
             </a:r>
           </a:p>
           <a:p>
             <a:pPr lvl="2"/>
             <a:r>
-              <a:rPr lang="ko-KR" altLang="en-US" smtClean="0"/>
+              <a:rPr lang="ko-KR" altLang="en-US"/>
               <a:t>셋째 수준</a:t>
             </a:r>
           </a:p>
           <a:p>
             <a:pPr lvl="3"/>
             <a:r>
-              <a:rPr lang="ko-KR" altLang="en-US" smtClean="0"/>
+              <a:rPr lang="ko-KR" altLang="en-US"/>
               <a:t>넷째 수준</a:t>
             </a:r>
           </a:p>
           <a:p>
             <a:pPr lvl="4"/>
             <a:r>
-              <a:rPr lang="ko-KR" altLang="en-US" smtClean="0"/>
+              <a:rPr lang="ko-KR" altLang="en-US"/>
               <a:t>다섯째 수준</a:t>
             </a:r>
-            <a:endParaRPr lang="ko-KR" altLang="en-US"/>
           </a:p>
         </p:txBody>
       </p:sp>
@@ -2199,7 +2261,7 @@
           <a:p>
             <a:fld id="{FB30EDBD-1C2D-4C1E-B459-B60219FAB484}" type="datetimeFigureOut">
               <a:rPr lang="ko-KR" altLang="en-US" smtClean="0"/>
-              <a:t>2017-04-23</a:t>
+              <a:t>2019-04-04</a:t>
             </a:fld>
             <a:endParaRPr lang="ko-KR" altLang="en-US"/>
           </a:p>
@@ -2288,10 +2350,9 @@
           <a:lstStyle/>
           <a:p>
             <a:r>
-              <a:rPr lang="ko-KR" altLang="en-US" smtClean="0"/>
+              <a:rPr lang="ko-KR" altLang="en-US"/>
               <a:t>마스터 제목 스타일 편집</a:t>
             </a:r>
-            <a:endParaRPr lang="ko-KR" altLang="en-US"/>
           </a:p>
         </p:txBody>
       </p:sp>
@@ -2312,7 +2373,7 @@
           <a:p>
             <a:fld id="{FB30EDBD-1C2D-4C1E-B459-B60219FAB484}" type="datetimeFigureOut">
               <a:rPr lang="ko-KR" altLang="en-US" smtClean="0"/>
-              <a:t>2017-04-23</a:t>
+              <a:t>2019-04-04</a:t>
             </a:fld>
             <a:endParaRPr lang="ko-KR" altLang="en-US"/>
           </a:p>
@@ -2402,7 +2463,7 @@
           <a:p>
             <a:fld id="{FB30EDBD-1C2D-4C1E-B459-B60219FAB484}" type="datetimeFigureOut">
               <a:rPr lang="ko-KR" altLang="en-US" smtClean="0"/>
-              <a:t>2017-04-23</a:t>
+              <a:t>2019-04-04</a:t>
             </a:fld>
             <a:endParaRPr lang="ko-KR" altLang="en-US"/>
           </a:p>
@@ -2500,10 +2561,9 @@
           </a:lstStyle>
           <a:p>
             <a:r>
-              <a:rPr lang="ko-KR" altLang="en-US" smtClean="0"/>
+              <a:rPr lang="ko-KR" altLang="en-US"/>
               <a:t>마스터 제목 스타일 편집</a:t>
             </a:r>
-            <a:endParaRPr lang="ko-KR" altLang="en-US"/>
           </a:p>
         </p:txBody>
       </p:sp>
@@ -2557,38 +2617,37 @@
           <a:p>
             <a:pPr lvl="0"/>
             <a:r>
-              <a:rPr lang="ko-KR" altLang="en-US" smtClean="0"/>
+              <a:rPr lang="ko-KR" altLang="en-US"/>
               <a:t>마스터 텍스트 스타일을 편집합니다</a:t>
             </a:r>
           </a:p>
           <a:p>
             <a:pPr lvl="1"/>
             <a:r>
-              <a:rPr lang="ko-KR" altLang="en-US" smtClean="0"/>
+              <a:rPr lang="ko-KR" altLang="en-US"/>
               <a:t>둘째 수준</a:t>
             </a:r>
           </a:p>
           <a:p>
             <a:pPr lvl="2"/>
             <a:r>
-              <a:rPr lang="ko-KR" altLang="en-US" smtClean="0"/>
+              <a:rPr lang="ko-KR" altLang="en-US"/>
               <a:t>셋째 수준</a:t>
             </a:r>
           </a:p>
           <a:p>
             <a:pPr lvl="3"/>
             <a:r>
-              <a:rPr lang="ko-KR" altLang="en-US" smtClean="0"/>
+              <a:rPr lang="ko-KR" altLang="en-US"/>
               <a:t>넷째 수준</a:t>
             </a:r>
           </a:p>
           <a:p>
             <a:pPr lvl="4"/>
             <a:r>
-              <a:rPr lang="ko-KR" altLang="en-US" smtClean="0"/>
+              <a:rPr lang="ko-KR" altLang="en-US"/>
               <a:t>다섯째 수준</a:t>
             </a:r>
-            <a:endParaRPr lang="ko-KR" altLang="en-US"/>
           </a:p>
         </p:txBody>
       </p:sp>
@@ -2651,7 +2710,7 @@
           <a:p>
             <a:pPr lvl="0"/>
             <a:r>
-              <a:rPr lang="ko-KR" altLang="en-US" smtClean="0"/>
+              <a:rPr lang="ko-KR" altLang="en-US"/>
               <a:t>마스터 텍스트 스타일을 편집합니다</a:t>
             </a:r>
           </a:p>
@@ -2674,7 +2733,7 @@
           <a:p>
             <a:fld id="{FB30EDBD-1C2D-4C1E-B459-B60219FAB484}" type="datetimeFigureOut">
               <a:rPr lang="ko-KR" altLang="en-US" smtClean="0"/>
-              <a:t>2017-04-23</a:t>
+              <a:t>2019-04-04</a:t>
             </a:fld>
             <a:endParaRPr lang="ko-KR" altLang="en-US"/>
           </a:p>
@@ -2772,10 +2831,9 @@
           </a:lstStyle>
           <a:p>
             <a:r>
-              <a:rPr lang="ko-KR" altLang="en-US" smtClean="0"/>
+              <a:rPr lang="ko-KR" altLang="en-US"/>
               <a:t>마스터 제목 스타일 편집</a:t>
             </a:r>
-            <a:endParaRPr lang="ko-KR" altLang="en-US"/>
           </a:p>
         </p:txBody>
       </p:sp>
@@ -2899,7 +2957,7 @@
           <a:p>
             <a:pPr lvl="0"/>
             <a:r>
-              <a:rPr lang="ko-KR" altLang="en-US" smtClean="0"/>
+              <a:rPr lang="ko-KR" altLang="en-US"/>
               <a:t>마스터 텍스트 스타일을 편집합니다</a:t>
             </a:r>
           </a:p>
@@ -2922,7 +2980,7 @@
           <a:p>
             <a:fld id="{FB30EDBD-1C2D-4C1E-B459-B60219FAB484}" type="datetimeFigureOut">
               <a:rPr lang="ko-KR" altLang="en-US" smtClean="0"/>
-              <a:t>2017-04-23</a:t>
+              <a:t>2019-04-04</a:t>
             </a:fld>
             <a:endParaRPr lang="ko-KR" altLang="en-US"/>
           </a:p>
@@ -3026,10 +3084,9 @@
           <a:lstStyle/>
           <a:p>
             <a:r>
-              <a:rPr lang="ko-KR" altLang="en-US" smtClean="0"/>
+              <a:rPr lang="ko-KR" altLang="en-US"/>
               <a:t>마스터 제목 스타일 편집</a:t>
             </a:r>
-            <a:endParaRPr lang="ko-KR" altLang="en-US"/>
           </a:p>
         </p:txBody>
       </p:sp>
@@ -3060,38 +3117,37 @@
           <a:p>
             <a:pPr lvl="0"/>
             <a:r>
-              <a:rPr lang="ko-KR" altLang="en-US" smtClean="0"/>
+              <a:rPr lang="ko-KR" altLang="en-US"/>
               <a:t>마스터 텍스트 스타일을 편집합니다</a:t>
             </a:r>
           </a:p>
           <a:p>
             <a:pPr lvl="1"/>
             <a:r>
-              <a:rPr lang="ko-KR" altLang="en-US" smtClean="0"/>
+              <a:rPr lang="ko-KR" altLang="en-US"/>
               <a:t>둘째 수준</a:t>
             </a:r>
           </a:p>
           <a:p>
             <a:pPr lvl="2"/>
             <a:r>
-              <a:rPr lang="ko-KR" altLang="en-US" smtClean="0"/>
+              <a:rPr lang="ko-KR" altLang="en-US"/>
               <a:t>셋째 수준</a:t>
             </a:r>
           </a:p>
           <a:p>
             <a:pPr lvl="3"/>
             <a:r>
-              <a:rPr lang="ko-KR" altLang="en-US" smtClean="0"/>
+              <a:rPr lang="ko-KR" altLang="en-US"/>
               <a:t>넷째 수준</a:t>
             </a:r>
           </a:p>
           <a:p>
             <a:pPr lvl="4"/>
             <a:r>
-              <a:rPr lang="ko-KR" altLang="en-US" smtClean="0"/>
+              <a:rPr lang="ko-KR" altLang="en-US"/>
               <a:t>다섯째 수준</a:t>
             </a:r>
-            <a:endParaRPr lang="ko-KR" altLang="en-US"/>
           </a:p>
         </p:txBody>
       </p:sp>
@@ -3130,7 +3186,7 @@
           <a:p>
             <a:fld id="{FB30EDBD-1C2D-4C1E-B459-B60219FAB484}" type="datetimeFigureOut">
               <a:rPr lang="ko-KR" altLang="en-US" smtClean="0"/>
-              <a:t>2017-04-23</a:t>
+              <a:t>2019-04-04</a:t>
             </a:fld>
             <a:endParaRPr lang="ko-KR" altLang="en-US"/>
           </a:p>
@@ -3500,6 +3556,1031 @@
           <a:chExt cx="0" cy="0"/>
         </a:xfrm>
       </p:grpSpPr>
+      <p:cxnSp>
+        <p:nvCxnSpPr>
+          <p:cNvPr id="65" name="직선 화살표 연결선 64">
+            <a:extLst>
+              <a:ext uri="{FF2B5EF4-FFF2-40B4-BE49-F238E27FC236}">
+                <a16:creationId xmlns:a16="http://schemas.microsoft.com/office/drawing/2014/main" id="{9A31454E-CD9B-4BE3-A0A8-3F2016FE997A}"/>
+              </a:ext>
+            </a:extLst>
+          </p:cNvPr>
+          <p:cNvCxnSpPr>
+            <a:cxnSpLocks/>
+            <a:stCxn id="73" idx="2"/>
+            <a:endCxn id="69" idx="0"/>
+          </p:cNvCxnSpPr>
+          <p:nvPr/>
+        </p:nvCxnSpPr>
+        <p:spPr>
+          <a:xfrm>
+            <a:off x="4389990" y="1167007"/>
+            <a:ext cx="0" cy="427429"/>
+          </a:xfrm>
+          <a:prstGeom prst="straightConnector1">
+            <a:avLst/>
+          </a:prstGeom>
+          <a:ln w="19050">
+            <a:solidFill>
+              <a:schemeClr val="tx1"/>
+            </a:solidFill>
+            <a:tailEnd type="arrow"/>
+          </a:ln>
+        </p:spPr>
+        <p:style>
+          <a:lnRef idx="1">
+            <a:schemeClr val="accent1"/>
+          </a:lnRef>
+          <a:fillRef idx="0">
+            <a:schemeClr val="accent1"/>
+          </a:fillRef>
+          <a:effectRef idx="0">
+            <a:schemeClr val="accent1"/>
+          </a:effectRef>
+          <a:fontRef idx="minor">
+            <a:schemeClr val="tx1"/>
+          </a:fontRef>
+        </p:style>
+      </p:cxnSp>
+      <p:sp>
+        <p:nvSpPr>
+          <p:cNvPr id="66" name="구름 65">
+            <a:extLst>
+              <a:ext uri="{FF2B5EF4-FFF2-40B4-BE49-F238E27FC236}">
+                <a16:creationId xmlns:a16="http://schemas.microsoft.com/office/drawing/2014/main" id="{351A9F8D-662B-423F-B892-238E035AE8AB}"/>
+              </a:ext>
+            </a:extLst>
+          </p:cNvPr>
+          <p:cNvSpPr/>
+          <p:nvPr/>
+        </p:nvSpPr>
+        <p:spPr>
+          <a:xfrm>
+            <a:off x="1547144" y="632631"/>
+            <a:ext cx="1506582" cy="709388"/>
+          </a:xfrm>
+          <a:prstGeom prst="cloud">
+            <a:avLst/>
+          </a:prstGeom>
+        </p:spPr>
+        <p:style>
+          <a:lnRef idx="2">
+            <a:schemeClr val="dk1"/>
+          </a:lnRef>
+          <a:fillRef idx="1">
+            <a:schemeClr val="lt1"/>
+          </a:fillRef>
+          <a:effectRef idx="0">
+            <a:schemeClr val="dk1"/>
+          </a:effectRef>
+          <a:fontRef idx="minor">
+            <a:schemeClr val="dk1"/>
+          </a:fontRef>
+        </p:style>
+        <p:txBody>
+          <a:bodyPr rtlCol="0" anchor="ctr"/>
+          <a:lstStyle/>
+          <a:p>
+            <a:pPr algn="ctr"/>
+            <a:r>
+              <a:rPr lang="en-US" altLang="ko-KR" sz="1200" dirty="0"/>
+              <a:t>Network</a:t>
+            </a:r>
+            <a:endParaRPr lang="ko-KR" altLang="en-US" sz="1200" dirty="0"/>
+          </a:p>
+        </p:txBody>
+      </p:sp>
+      <p:sp>
+        <p:nvSpPr>
+          <p:cNvPr id="69" name="모서리가 둥근 직사각형 18">
+            <a:extLst>
+              <a:ext uri="{FF2B5EF4-FFF2-40B4-BE49-F238E27FC236}">
+                <a16:creationId xmlns:a16="http://schemas.microsoft.com/office/drawing/2014/main" id="{C0A07985-3511-4E28-8174-6D55423DCD73}"/>
+              </a:ext>
+            </a:extLst>
+          </p:cNvPr>
+          <p:cNvSpPr/>
+          <p:nvPr/>
+        </p:nvSpPr>
+        <p:spPr>
+          <a:xfrm>
+            <a:off x="3345212" y="1594436"/>
+            <a:ext cx="2089556" cy="359364"/>
+          </a:xfrm>
+          <a:prstGeom prst="roundRect">
+            <a:avLst>
+              <a:gd name="adj" fmla="val 10708"/>
+            </a:avLst>
+          </a:prstGeom>
+          <a:ln>
+            <a:solidFill>
+              <a:schemeClr val="tx2"/>
+            </a:solidFill>
+          </a:ln>
+        </p:spPr>
+        <p:style>
+          <a:lnRef idx="2">
+            <a:schemeClr val="dk1"/>
+          </a:lnRef>
+          <a:fillRef idx="1">
+            <a:schemeClr val="lt1"/>
+          </a:fillRef>
+          <a:effectRef idx="0">
+            <a:schemeClr val="dk1"/>
+          </a:effectRef>
+          <a:fontRef idx="minor">
+            <a:schemeClr val="dk1"/>
+          </a:fontRef>
+        </p:style>
+        <p:txBody>
+          <a:bodyPr rtlCol="0" anchor="ctr"/>
+          <a:lstStyle/>
+          <a:p>
+            <a:pPr algn="ctr"/>
+            <a:r>
+              <a:rPr lang="en-US" altLang="ko-KR" sz="1200">
+                <a:solidFill>
+                  <a:schemeClr val="tx2"/>
+                </a:solidFill>
+              </a:rPr>
+              <a:t>Rounting - Forwarding</a:t>
+            </a:r>
+            <a:endParaRPr lang="ko-KR" altLang="en-US" sz="1200" dirty="0">
+              <a:solidFill>
+                <a:schemeClr val="tx2"/>
+              </a:solidFill>
+            </a:endParaRPr>
+          </a:p>
+        </p:txBody>
+      </p:sp>
+      <p:sp>
+        <p:nvSpPr>
+          <p:cNvPr id="73" name="모서리가 둥근 직사각형 13">
+            <a:extLst>
+              <a:ext uri="{FF2B5EF4-FFF2-40B4-BE49-F238E27FC236}">
+                <a16:creationId xmlns:a16="http://schemas.microsoft.com/office/drawing/2014/main" id="{0D16AB95-0AF9-40B4-9BD4-9326615CFF08}"/>
+              </a:ext>
+            </a:extLst>
+          </p:cNvPr>
+          <p:cNvSpPr/>
+          <p:nvPr/>
+        </p:nvSpPr>
+        <p:spPr>
+          <a:xfrm>
+            <a:off x="3345212" y="807643"/>
+            <a:ext cx="2089556" cy="359364"/>
+          </a:xfrm>
+          <a:prstGeom prst="roundRect">
+            <a:avLst>
+              <a:gd name="adj" fmla="val 10708"/>
+            </a:avLst>
+          </a:prstGeom>
+        </p:spPr>
+        <p:style>
+          <a:lnRef idx="2">
+            <a:schemeClr val="dk1"/>
+          </a:lnRef>
+          <a:fillRef idx="1">
+            <a:schemeClr val="lt1"/>
+          </a:fillRef>
+          <a:effectRef idx="0">
+            <a:schemeClr val="dk1"/>
+          </a:effectRef>
+          <a:fontRef idx="minor">
+            <a:schemeClr val="dk1"/>
+          </a:fontRef>
+        </p:style>
+        <p:txBody>
+          <a:bodyPr rtlCol="0" anchor="ctr"/>
+          <a:lstStyle/>
+          <a:p>
+            <a:pPr algn="ctr"/>
+            <a:r>
+              <a:rPr lang="en-US" altLang="ko-KR" sz="1200" b="1"/>
+              <a:t>NF_IP_PRE_ROUTING </a:t>
+            </a:r>
+            <a:endParaRPr lang="ko-KR" altLang="en-US" sz="1200" b="1" dirty="0"/>
+          </a:p>
+        </p:txBody>
+      </p:sp>
+      <p:cxnSp>
+        <p:nvCxnSpPr>
+          <p:cNvPr id="77" name="직선 화살표 연결선 76">
+            <a:extLst>
+              <a:ext uri="{FF2B5EF4-FFF2-40B4-BE49-F238E27FC236}">
+                <a16:creationId xmlns:a16="http://schemas.microsoft.com/office/drawing/2014/main" id="{3335E67A-5548-4CC7-89F0-D5E60241254D}"/>
+              </a:ext>
+            </a:extLst>
+          </p:cNvPr>
+          <p:cNvCxnSpPr>
+            <a:cxnSpLocks/>
+            <a:stCxn id="66" idx="0"/>
+            <a:endCxn id="73" idx="1"/>
+          </p:cNvCxnSpPr>
+          <p:nvPr/>
+        </p:nvCxnSpPr>
+        <p:spPr>
+          <a:xfrm>
+            <a:off x="3052471" y="987325"/>
+            <a:ext cx="292741" cy="0"/>
+          </a:xfrm>
+          <a:prstGeom prst="straightConnector1">
+            <a:avLst/>
+          </a:prstGeom>
+          <a:ln w="19050">
+            <a:solidFill>
+              <a:schemeClr val="tx1"/>
+            </a:solidFill>
+            <a:tailEnd type="arrow"/>
+          </a:ln>
+        </p:spPr>
+        <p:style>
+          <a:lnRef idx="1">
+            <a:schemeClr val="accent1"/>
+          </a:lnRef>
+          <a:fillRef idx="0">
+            <a:schemeClr val="accent1"/>
+          </a:fillRef>
+          <a:effectRef idx="0">
+            <a:schemeClr val="accent1"/>
+          </a:effectRef>
+          <a:fontRef idx="minor">
+            <a:schemeClr val="tx1"/>
+          </a:fontRef>
+        </p:style>
+      </p:cxnSp>
+      <p:sp>
+        <p:nvSpPr>
+          <p:cNvPr id="90" name="모서리가 둥근 직사각형 13">
+            <a:extLst>
+              <a:ext uri="{FF2B5EF4-FFF2-40B4-BE49-F238E27FC236}">
+                <a16:creationId xmlns:a16="http://schemas.microsoft.com/office/drawing/2014/main" id="{D52B370A-D30E-422C-BECD-9E205354C0D5}"/>
+              </a:ext>
+            </a:extLst>
+          </p:cNvPr>
+          <p:cNvSpPr/>
+          <p:nvPr/>
+        </p:nvSpPr>
+        <p:spPr>
+          <a:xfrm>
+            <a:off x="3345212" y="2381229"/>
+            <a:ext cx="2089556" cy="359364"/>
+          </a:xfrm>
+          <a:prstGeom prst="roundRect">
+            <a:avLst>
+              <a:gd name="adj" fmla="val 10708"/>
+            </a:avLst>
+          </a:prstGeom>
+        </p:spPr>
+        <p:style>
+          <a:lnRef idx="2">
+            <a:schemeClr val="dk1"/>
+          </a:lnRef>
+          <a:fillRef idx="1">
+            <a:schemeClr val="lt1"/>
+          </a:fillRef>
+          <a:effectRef idx="0">
+            <a:schemeClr val="dk1"/>
+          </a:effectRef>
+          <a:fontRef idx="minor">
+            <a:schemeClr val="dk1"/>
+          </a:fontRef>
+        </p:style>
+        <p:txBody>
+          <a:bodyPr rtlCol="0" anchor="ctr"/>
+          <a:lstStyle/>
+          <a:p>
+            <a:pPr algn="ctr"/>
+            <a:r>
+              <a:rPr lang="en-US" altLang="ko-KR" sz="1200" b="1"/>
+              <a:t>NF_IP_FORWARD </a:t>
+            </a:r>
+            <a:endParaRPr lang="ko-KR" altLang="en-US" sz="1200" b="1" dirty="0"/>
+          </a:p>
+        </p:txBody>
+      </p:sp>
+      <p:sp>
+        <p:nvSpPr>
+          <p:cNvPr id="91" name="모서리가 둥근 직사각형 18">
+            <a:extLst>
+              <a:ext uri="{FF2B5EF4-FFF2-40B4-BE49-F238E27FC236}">
+                <a16:creationId xmlns:a16="http://schemas.microsoft.com/office/drawing/2014/main" id="{EF98D81D-8DB4-43C9-AE61-994B77C79C51}"/>
+              </a:ext>
+            </a:extLst>
+          </p:cNvPr>
+          <p:cNvSpPr/>
+          <p:nvPr/>
+        </p:nvSpPr>
+        <p:spPr>
+          <a:xfrm>
+            <a:off x="3345212" y="3168022"/>
+            <a:ext cx="2089556" cy="359364"/>
+          </a:xfrm>
+          <a:prstGeom prst="roundRect">
+            <a:avLst>
+              <a:gd name="adj" fmla="val 10708"/>
+            </a:avLst>
+          </a:prstGeom>
+          <a:ln>
+            <a:solidFill>
+              <a:schemeClr val="tx2"/>
+            </a:solidFill>
+          </a:ln>
+        </p:spPr>
+        <p:style>
+          <a:lnRef idx="2">
+            <a:schemeClr val="dk1"/>
+          </a:lnRef>
+          <a:fillRef idx="1">
+            <a:schemeClr val="lt1"/>
+          </a:fillRef>
+          <a:effectRef idx="0">
+            <a:schemeClr val="dk1"/>
+          </a:effectRef>
+          <a:fontRef idx="minor">
+            <a:schemeClr val="dk1"/>
+          </a:fontRef>
+        </p:style>
+        <p:txBody>
+          <a:bodyPr rtlCol="0" anchor="ctr"/>
+          <a:lstStyle/>
+          <a:p>
+            <a:pPr algn="ctr"/>
+            <a:r>
+              <a:rPr lang="en-US" altLang="ko-KR" sz="1200">
+                <a:solidFill>
+                  <a:schemeClr val="tx2"/>
+                </a:solidFill>
+              </a:rPr>
+              <a:t>Rounting - Interface</a:t>
+            </a:r>
+            <a:endParaRPr lang="ko-KR" altLang="en-US" sz="1200" dirty="0">
+              <a:solidFill>
+                <a:schemeClr val="tx2"/>
+              </a:solidFill>
+            </a:endParaRPr>
+          </a:p>
+        </p:txBody>
+      </p:sp>
+      <p:sp>
+        <p:nvSpPr>
+          <p:cNvPr id="93" name="구름 92">
+            <a:extLst>
+              <a:ext uri="{FF2B5EF4-FFF2-40B4-BE49-F238E27FC236}">
+                <a16:creationId xmlns:a16="http://schemas.microsoft.com/office/drawing/2014/main" id="{6C041A3F-A351-4FA5-BE08-F31D0D253275}"/>
+              </a:ext>
+            </a:extLst>
+          </p:cNvPr>
+          <p:cNvSpPr/>
+          <p:nvPr/>
+        </p:nvSpPr>
+        <p:spPr>
+          <a:xfrm>
+            <a:off x="1545889" y="3776438"/>
+            <a:ext cx="1506582" cy="709388"/>
+          </a:xfrm>
+          <a:prstGeom prst="cloud">
+            <a:avLst/>
+          </a:prstGeom>
+        </p:spPr>
+        <p:style>
+          <a:lnRef idx="2">
+            <a:schemeClr val="dk1"/>
+          </a:lnRef>
+          <a:fillRef idx="1">
+            <a:schemeClr val="lt1"/>
+          </a:fillRef>
+          <a:effectRef idx="0">
+            <a:schemeClr val="dk1"/>
+          </a:effectRef>
+          <a:fontRef idx="minor">
+            <a:schemeClr val="dk1"/>
+          </a:fontRef>
+        </p:style>
+        <p:txBody>
+          <a:bodyPr rtlCol="0" anchor="ctr"/>
+          <a:lstStyle/>
+          <a:p>
+            <a:pPr algn="ctr"/>
+            <a:r>
+              <a:rPr lang="en-US" altLang="ko-KR" sz="1200" dirty="0"/>
+              <a:t>Network</a:t>
+            </a:r>
+            <a:endParaRPr lang="ko-KR" altLang="en-US" sz="1200" dirty="0"/>
+          </a:p>
+        </p:txBody>
+      </p:sp>
+      <p:cxnSp>
+        <p:nvCxnSpPr>
+          <p:cNvPr id="94" name="직선 화살표 연결선 93">
+            <a:extLst>
+              <a:ext uri="{FF2B5EF4-FFF2-40B4-BE49-F238E27FC236}">
+                <a16:creationId xmlns:a16="http://schemas.microsoft.com/office/drawing/2014/main" id="{78744B08-1586-4200-BC13-2E2BF5708FFC}"/>
+              </a:ext>
+            </a:extLst>
+          </p:cNvPr>
+          <p:cNvCxnSpPr>
+            <a:cxnSpLocks/>
+            <a:stCxn id="69" idx="2"/>
+            <a:endCxn id="90" idx="0"/>
+          </p:cNvCxnSpPr>
+          <p:nvPr/>
+        </p:nvCxnSpPr>
+        <p:spPr>
+          <a:xfrm>
+            <a:off x="4389990" y="1953800"/>
+            <a:ext cx="0" cy="427429"/>
+          </a:xfrm>
+          <a:prstGeom prst="straightConnector1">
+            <a:avLst/>
+          </a:prstGeom>
+          <a:ln w="19050">
+            <a:solidFill>
+              <a:schemeClr val="tx1"/>
+            </a:solidFill>
+            <a:tailEnd type="arrow"/>
+          </a:ln>
+        </p:spPr>
+        <p:style>
+          <a:lnRef idx="1">
+            <a:schemeClr val="accent1"/>
+          </a:lnRef>
+          <a:fillRef idx="0">
+            <a:schemeClr val="accent1"/>
+          </a:fillRef>
+          <a:effectRef idx="0">
+            <a:schemeClr val="accent1"/>
+          </a:effectRef>
+          <a:fontRef idx="minor">
+            <a:schemeClr val="tx1"/>
+          </a:fontRef>
+        </p:style>
+      </p:cxnSp>
+      <p:cxnSp>
+        <p:nvCxnSpPr>
+          <p:cNvPr id="98" name="직선 화살표 연결선 97">
+            <a:extLst>
+              <a:ext uri="{FF2B5EF4-FFF2-40B4-BE49-F238E27FC236}">
+                <a16:creationId xmlns:a16="http://schemas.microsoft.com/office/drawing/2014/main" id="{1188BDA8-B886-4638-9AFD-2D46CC81AD5F}"/>
+              </a:ext>
+            </a:extLst>
+          </p:cNvPr>
+          <p:cNvCxnSpPr>
+            <a:cxnSpLocks/>
+            <a:stCxn id="90" idx="2"/>
+            <a:endCxn id="91" idx="0"/>
+          </p:cNvCxnSpPr>
+          <p:nvPr/>
+        </p:nvCxnSpPr>
+        <p:spPr>
+          <a:xfrm>
+            <a:off x="4389990" y="2740593"/>
+            <a:ext cx="0" cy="427429"/>
+          </a:xfrm>
+          <a:prstGeom prst="straightConnector1">
+            <a:avLst/>
+          </a:prstGeom>
+          <a:ln w="19050">
+            <a:solidFill>
+              <a:schemeClr val="tx1"/>
+            </a:solidFill>
+            <a:tailEnd type="arrow"/>
+          </a:ln>
+        </p:spPr>
+        <p:style>
+          <a:lnRef idx="1">
+            <a:schemeClr val="accent1"/>
+          </a:lnRef>
+          <a:fillRef idx="0">
+            <a:schemeClr val="accent1"/>
+          </a:fillRef>
+          <a:effectRef idx="0">
+            <a:schemeClr val="accent1"/>
+          </a:effectRef>
+          <a:fontRef idx="minor">
+            <a:schemeClr val="tx1"/>
+          </a:fontRef>
+        </p:style>
+      </p:cxnSp>
+      <p:cxnSp>
+        <p:nvCxnSpPr>
+          <p:cNvPr id="101" name="직선 화살표 연결선 100">
+            <a:extLst>
+              <a:ext uri="{FF2B5EF4-FFF2-40B4-BE49-F238E27FC236}">
+                <a16:creationId xmlns:a16="http://schemas.microsoft.com/office/drawing/2014/main" id="{8E30B772-3C10-4BFA-B670-9DE3481E2572}"/>
+              </a:ext>
+            </a:extLst>
+          </p:cNvPr>
+          <p:cNvCxnSpPr>
+            <a:cxnSpLocks/>
+            <a:stCxn id="91" idx="2"/>
+            <a:endCxn id="133" idx="0"/>
+          </p:cNvCxnSpPr>
+          <p:nvPr/>
+        </p:nvCxnSpPr>
+        <p:spPr>
+          <a:xfrm>
+            <a:off x="4389990" y="3527386"/>
+            <a:ext cx="0" cy="424064"/>
+          </a:xfrm>
+          <a:prstGeom prst="straightConnector1">
+            <a:avLst/>
+          </a:prstGeom>
+          <a:ln w="19050">
+            <a:solidFill>
+              <a:schemeClr val="tx1"/>
+            </a:solidFill>
+            <a:tailEnd type="arrow"/>
+          </a:ln>
+        </p:spPr>
+        <p:style>
+          <a:lnRef idx="1">
+            <a:schemeClr val="accent1"/>
+          </a:lnRef>
+          <a:fillRef idx="0">
+            <a:schemeClr val="accent1"/>
+          </a:fillRef>
+          <a:effectRef idx="0">
+            <a:schemeClr val="accent1"/>
+          </a:effectRef>
+          <a:fontRef idx="minor">
+            <a:schemeClr val="tx1"/>
+          </a:fontRef>
+        </p:style>
+      </p:cxnSp>
+      <p:sp>
+        <p:nvSpPr>
+          <p:cNvPr id="106" name="모서리가 둥근 직사각형 13">
+            <a:extLst>
+              <a:ext uri="{FF2B5EF4-FFF2-40B4-BE49-F238E27FC236}">
+                <a16:creationId xmlns:a16="http://schemas.microsoft.com/office/drawing/2014/main" id="{5FD8FD3B-01CC-42C8-A249-FDB9DED4AE85}"/>
+              </a:ext>
+            </a:extLst>
+          </p:cNvPr>
+          <p:cNvSpPr/>
+          <p:nvPr/>
+        </p:nvSpPr>
+        <p:spPr>
+          <a:xfrm>
+            <a:off x="6082844" y="1594436"/>
+            <a:ext cx="2089556" cy="359364"/>
+          </a:xfrm>
+          <a:prstGeom prst="roundRect">
+            <a:avLst>
+              <a:gd name="adj" fmla="val 10708"/>
+            </a:avLst>
+          </a:prstGeom>
+        </p:spPr>
+        <p:style>
+          <a:lnRef idx="2">
+            <a:schemeClr val="dk1"/>
+          </a:lnRef>
+          <a:fillRef idx="1">
+            <a:schemeClr val="lt1"/>
+          </a:fillRef>
+          <a:effectRef idx="0">
+            <a:schemeClr val="dk1"/>
+          </a:effectRef>
+          <a:fontRef idx="minor">
+            <a:schemeClr val="dk1"/>
+          </a:fontRef>
+        </p:style>
+        <p:txBody>
+          <a:bodyPr rtlCol="0" anchor="ctr"/>
+          <a:lstStyle/>
+          <a:p>
+            <a:pPr algn="ctr"/>
+            <a:r>
+              <a:rPr lang="en-US" altLang="ko-KR" sz="1200" b="1"/>
+              <a:t>NF_IP_LOCAL_IN </a:t>
+            </a:r>
+            <a:endParaRPr lang="ko-KR" altLang="en-US" sz="1200" b="1" dirty="0"/>
+          </a:p>
+        </p:txBody>
+      </p:sp>
+      <p:sp>
+        <p:nvSpPr>
+          <p:cNvPr id="107" name="모서리가 둥근 직사각형 13">
+            <a:extLst>
+              <a:ext uri="{FF2B5EF4-FFF2-40B4-BE49-F238E27FC236}">
+                <a16:creationId xmlns:a16="http://schemas.microsoft.com/office/drawing/2014/main" id="{AE4C0016-6E49-41D0-A0C7-AC4BAC9E411F}"/>
+              </a:ext>
+            </a:extLst>
+          </p:cNvPr>
+          <p:cNvSpPr/>
+          <p:nvPr/>
+        </p:nvSpPr>
+        <p:spPr>
+          <a:xfrm>
+            <a:off x="6082844" y="3168022"/>
+            <a:ext cx="2089556" cy="359364"/>
+          </a:xfrm>
+          <a:prstGeom prst="roundRect">
+            <a:avLst>
+              <a:gd name="adj" fmla="val 10708"/>
+            </a:avLst>
+          </a:prstGeom>
+        </p:spPr>
+        <p:style>
+          <a:lnRef idx="2">
+            <a:schemeClr val="dk1"/>
+          </a:lnRef>
+          <a:fillRef idx="1">
+            <a:schemeClr val="lt1"/>
+          </a:fillRef>
+          <a:effectRef idx="0">
+            <a:schemeClr val="dk1"/>
+          </a:effectRef>
+          <a:fontRef idx="minor">
+            <a:schemeClr val="dk1"/>
+          </a:fontRef>
+        </p:style>
+        <p:txBody>
+          <a:bodyPr rtlCol="0" anchor="ctr"/>
+          <a:lstStyle/>
+          <a:p>
+            <a:pPr algn="ctr"/>
+            <a:r>
+              <a:rPr lang="en-US" altLang="ko-KR" sz="1200" b="1"/>
+              <a:t>NF_IP_LOCAL_OUT</a:t>
+            </a:r>
+            <a:endParaRPr lang="ko-KR" altLang="en-US" sz="1200" b="1" dirty="0"/>
+          </a:p>
+        </p:txBody>
+      </p:sp>
+      <p:cxnSp>
+        <p:nvCxnSpPr>
+          <p:cNvPr id="108" name="직선 화살표 연결선 107">
+            <a:extLst>
+              <a:ext uri="{FF2B5EF4-FFF2-40B4-BE49-F238E27FC236}">
+                <a16:creationId xmlns:a16="http://schemas.microsoft.com/office/drawing/2014/main" id="{9571CEB9-B092-48AF-9F94-5DA7BF4DA059}"/>
+              </a:ext>
+            </a:extLst>
+          </p:cNvPr>
+          <p:cNvCxnSpPr>
+            <a:cxnSpLocks/>
+            <a:stCxn id="69" idx="3"/>
+            <a:endCxn id="106" idx="1"/>
+          </p:cNvCxnSpPr>
+          <p:nvPr/>
+        </p:nvCxnSpPr>
+        <p:spPr>
+          <a:xfrm>
+            <a:off x="5434768" y="1774118"/>
+            <a:ext cx="648076" cy="0"/>
+          </a:xfrm>
+          <a:prstGeom prst="straightConnector1">
+            <a:avLst/>
+          </a:prstGeom>
+          <a:ln w="19050">
+            <a:solidFill>
+              <a:schemeClr val="tx1"/>
+            </a:solidFill>
+            <a:tailEnd type="arrow"/>
+          </a:ln>
+        </p:spPr>
+        <p:style>
+          <a:lnRef idx="1">
+            <a:schemeClr val="accent1"/>
+          </a:lnRef>
+          <a:fillRef idx="0">
+            <a:schemeClr val="accent1"/>
+          </a:fillRef>
+          <a:effectRef idx="0">
+            <a:schemeClr val="accent1"/>
+          </a:effectRef>
+          <a:fontRef idx="minor">
+            <a:schemeClr val="tx1"/>
+          </a:fontRef>
+        </p:style>
+      </p:cxnSp>
+      <p:cxnSp>
+        <p:nvCxnSpPr>
+          <p:cNvPr id="111" name="직선 화살표 연결선 110">
+            <a:extLst>
+              <a:ext uri="{FF2B5EF4-FFF2-40B4-BE49-F238E27FC236}">
+                <a16:creationId xmlns:a16="http://schemas.microsoft.com/office/drawing/2014/main" id="{B684A8F4-A928-4E05-8076-6FA95E232649}"/>
+              </a:ext>
+            </a:extLst>
+          </p:cNvPr>
+          <p:cNvCxnSpPr>
+            <a:cxnSpLocks/>
+            <a:stCxn id="107" idx="1"/>
+            <a:endCxn id="91" idx="3"/>
+          </p:cNvCxnSpPr>
+          <p:nvPr/>
+        </p:nvCxnSpPr>
+        <p:spPr>
+          <a:xfrm flipH="1">
+            <a:off x="5434768" y="3347704"/>
+            <a:ext cx="648076" cy="0"/>
+          </a:xfrm>
+          <a:prstGeom prst="straightConnector1">
+            <a:avLst/>
+          </a:prstGeom>
+          <a:ln w="19050">
+            <a:solidFill>
+              <a:schemeClr val="tx1"/>
+            </a:solidFill>
+            <a:tailEnd type="arrow"/>
+          </a:ln>
+        </p:spPr>
+        <p:style>
+          <a:lnRef idx="1">
+            <a:schemeClr val="accent1"/>
+          </a:lnRef>
+          <a:fillRef idx="0">
+            <a:schemeClr val="accent1"/>
+          </a:fillRef>
+          <a:effectRef idx="0">
+            <a:schemeClr val="accent1"/>
+          </a:effectRef>
+          <a:fontRef idx="minor">
+            <a:schemeClr val="tx1"/>
+          </a:fontRef>
+        </p:style>
+      </p:cxnSp>
+      <p:sp>
+        <p:nvSpPr>
+          <p:cNvPr id="119" name="모서리가 둥근 직사각형 18">
+            <a:extLst>
+              <a:ext uri="{FF2B5EF4-FFF2-40B4-BE49-F238E27FC236}">
+                <a16:creationId xmlns:a16="http://schemas.microsoft.com/office/drawing/2014/main" id="{5B28BA25-9598-45B5-A38C-E695902C3ECC}"/>
+              </a:ext>
+            </a:extLst>
+          </p:cNvPr>
+          <p:cNvSpPr/>
+          <p:nvPr/>
+        </p:nvSpPr>
+        <p:spPr>
+          <a:xfrm>
+            <a:off x="6082844" y="2381229"/>
+            <a:ext cx="2089556" cy="359364"/>
+          </a:xfrm>
+          <a:prstGeom prst="roundRect">
+            <a:avLst>
+              <a:gd name="adj" fmla="val 10708"/>
+            </a:avLst>
+          </a:prstGeom>
+          <a:ln>
+            <a:solidFill>
+              <a:schemeClr val="tx2"/>
+            </a:solidFill>
+          </a:ln>
+        </p:spPr>
+        <p:style>
+          <a:lnRef idx="2">
+            <a:schemeClr val="dk1"/>
+          </a:lnRef>
+          <a:fillRef idx="1">
+            <a:schemeClr val="lt1"/>
+          </a:fillRef>
+          <a:effectRef idx="0">
+            <a:schemeClr val="dk1"/>
+          </a:effectRef>
+          <a:fontRef idx="minor">
+            <a:schemeClr val="dk1"/>
+          </a:fontRef>
+        </p:style>
+        <p:txBody>
+          <a:bodyPr rtlCol="0" anchor="ctr"/>
+          <a:lstStyle/>
+          <a:p>
+            <a:pPr algn="ctr"/>
+            <a:r>
+              <a:rPr lang="en-US" altLang="ko-KR" sz="1200">
+                <a:solidFill>
+                  <a:schemeClr val="tx2"/>
+                </a:solidFill>
+              </a:rPr>
+              <a:t>Process (Application)</a:t>
+            </a:r>
+            <a:endParaRPr lang="ko-KR" altLang="en-US" sz="1200" dirty="0">
+              <a:solidFill>
+                <a:schemeClr val="tx2"/>
+              </a:solidFill>
+            </a:endParaRPr>
+          </a:p>
+        </p:txBody>
+      </p:sp>
+      <p:cxnSp>
+        <p:nvCxnSpPr>
+          <p:cNvPr id="120" name="직선 화살표 연결선 119">
+            <a:extLst>
+              <a:ext uri="{FF2B5EF4-FFF2-40B4-BE49-F238E27FC236}">
+                <a16:creationId xmlns:a16="http://schemas.microsoft.com/office/drawing/2014/main" id="{8B1A0D3E-5BBF-4EFD-8D58-A7F1D7265A2E}"/>
+              </a:ext>
+            </a:extLst>
+          </p:cNvPr>
+          <p:cNvCxnSpPr>
+            <a:cxnSpLocks/>
+            <a:stCxn id="106" idx="2"/>
+            <a:endCxn id="119" idx="0"/>
+          </p:cNvCxnSpPr>
+          <p:nvPr/>
+        </p:nvCxnSpPr>
+        <p:spPr>
+          <a:xfrm>
+            <a:off x="7127622" y="1953800"/>
+            <a:ext cx="0" cy="427429"/>
+          </a:xfrm>
+          <a:prstGeom prst="straightConnector1">
+            <a:avLst/>
+          </a:prstGeom>
+          <a:ln w="19050">
+            <a:solidFill>
+              <a:schemeClr val="tx1"/>
+            </a:solidFill>
+            <a:tailEnd type="arrow"/>
+          </a:ln>
+        </p:spPr>
+        <p:style>
+          <a:lnRef idx="1">
+            <a:schemeClr val="accent1"/>
+          </a:lnRef>
+          <a:fillRef idx="0">
+            <a:schemeClr val="accent1"/>
+          </a:fillRef>
+          <a:effectRef idx="0">
+            <a:schemeClr val="accent1"/>
+          </a:effectRef>
+          <a:fontRef idx="minor">
+            <a:schemeClr val="tx1"/>
+          </a:fontRef>
+        </p:style>
+      </p:cxnSp>
+      <p:cxnSp>
+        <p:nvCxnSpPr>
+          <p:cNvPr id="122" name="직선 화살표 연결선 121">
+            <a:extLst>
+              <a:ext uri="{FF2B5EF4-FFF2-40B4-BE49-F238E27FC236}">
+                <a16:creationId xmlns:a16="http://schemas.microsoft.com/office/drawing/2014/main" id="{ADA39DF8-0021-47C9-9A44-5AD566A18DC2}"/>
+              </a:ext>
+            </a:extLst>
+          </p:cNvPr>
+          <p:cNvCxnSpPr>
+            <a:cxnSpLocks/>
+            <a:stCxn id="119" idx="2"/>
+            <a:endCxn id="107" idx="0"/>
+          </p:cNvCxnSpPr>
+          <p:nvPr/>
+        </p:nvCxnSpPr>
+        <p:spPr>
+          <a:xfrm>
+            <a:off x="7127622" y="2740593"/>
+            <a:ext cx="0" cy="427429"/>
+          </a:xfrm>
+          <a:prstGeom prst="straightConnector1">
+            <a:avLst/>
+          </a:prstGeom>
+          <a:ln w="19050">
+            <a:solidFill>
+              <a:schemeClr val="tx1"/>
+            </a:solidFill>
+            <a:tailEnd type="arrow"/>
+          </a:ln>
+        </p:spPr>
+        <p:style>
+          <a:lnRef idx="1">
+            <a:schemeClr val="accent1"/>
+          </a:lnRef>
+          <a:fillRef idx="0">
+            <a:schemeClr val="accent1"/>
+          </a:fillRef>
+          <a:effectRef idx="0">
+            <a:schemeClr val="accent1"/>
+          </a:effectRef>
+          <a:fontRef idx="minor">
+            <a:schemeClr val="tx1"/>
+          </a:fontRef>
+        </p:style>
+      </p:cxnSp>
+      <p:sp>
+        <p:nvSpPr>
+          <p:cNvPr id="133" name="모서리가 둥근 직사각형 13">
+            <a:extLst>
+              <a:ext uri="{FF2B5EF4-FFF2-40B4-BE49-F238E27FC236}">
+                <a16:creationId xmlns:a16="http://schemas.microsoft.com/office/drawing/2014/main" id="{60E1B928-2586-491F-B39A-DC34A0E794A2}"/>
+              </a:ext>
+            </a:extLst>
+          </p:cNvPr>
+          <p:cNvSpPr/>
+          <p:nvPr/>
+        </p:nvSpPr>
+        <p:spPr>
+          <a:xfrm>
+            <a:off x="3345212" y="3951450"/>
+            <a:ext cx="2089556" cy="359364"/>
+          </a:xfrm>
+          <a:prstGeom prst="roundRect">
+            <a:avLst>
+              <a:gd name="adj" fmla="val 10708"/>
+            </a:avLst>
+          </a:prstGeom>
+        </p:spPr>
+        <p:style>
+          <a:lnRef idx="2">
+            <a:schemeClr val="dk1"/>
+          </a:lnRef>
+          <a:fillRef idx="1">
+            <a:schemeClr val="lt1"/>
+          </a:fillRef>
+          <a:effectRef idx="0">
+            <a:schemeClr val="dk1"/>
+          </a:effectRef>
+          <a:fontRef idx="minor">
+            <a:schemeClr val="dk1"/>
+          </a:fontRef>
+        </p:style>
+        <p:txBody>
+          <a:bodyPr rtlCol="0" anchor="ctr"/>
+          <a:lstStyle/>
+          <a:p>
+            <a:pPr algn="ctr"/>
+            <a:r>
+              <a:rPr lang="en-US" altLang="ko-KR" sz="1200" b="1"/>
+              <a:t>NF_IP_POST_ROUTING </a:t>
+            </a:r>
+            <a:endParaRPr lang="ko-KR" altLang="en-US" sz="1200" b="1" dirty="0"/>
+          </a:p>
+        </p:txBody>
+      </p:sp>
+      <p:cxnSp>
+        <p:nvCxnSpPr>
+          <p:cNvPr id="135" name="직선 화살표 연결선 134">
+            <a:extLst>
+              <a:ext uri="{FF2B5EF4-FFF2-40B4-BE49-F238E27FC236}">
+                <a16:creationId xmlns:a16="http://schemas.microsoft.com/office/drawing/2014/main" id="{7ED36CD1-6854-4613-B5FB-14EF7DFF466E}"/>
+              </a:ext>
+            </a:extLst>
+          </p:cNvPr>
+          <p:cNvCxnSpPr>
+            <a:cxnSpLocks/>
+            <a:stCxn id="133" idx="1"/>
+            <a:endCxn id="93" idx="0"/>
+          </p:cNvCxnSpPr>
+          <p:nvPr/>
+        </p:nvCxnSpPr>
+        <p:spPr>
+          <a:xfrm flipH="1">
+            <a:off x="3051216" y="4131132"/>
+            <a:ext cx="293996" cy="0"/>
+          </a:xfrm>
+          <a:prstGeom prst="straightConnector1">
+            <a:avLst/>
+          </a:prstGeom>
+          <a:ln w="19050">
+            <a:solidFill>
+              <a:schemeClr val="tx1"/>
+            </a:solidFill>
+            <a:tailEnd type="arrow"/>
+          </a:ln>
+        </p:spPr>
+        <p:style>
+          <a:lnRef idx="1">
+            <a:schemeClr val="accent1"/>
+          </a:lnRef>
+          <a:fillRef idx="0">
+            <a:schemeClr val="accent1"/>
+          </a:fillRef>
+          <a:effectRef idx="0">
+            <a:schemeClr val="accent1"/>
+          </a:effectRef>
+          <a:fontRef idx="minor">
+            <a:schemeClr val="tx1"/>
+          </a:fontRef>
+        </p:style>
+      </p:cxnSp>
+    </p:spTree>
+    <p:extLst>
+      <p:ext uri="{BB962C8B-B14F-4D97-AF65-F5344CB8AC3E}">
+        <p14:creationId xmlns:p14="http://schemas.microsoft.com/office/powerpoint/2010/main" val="3712936165"/>
+      </p:ext>
+    </p:extLst>
+  </p:cSld>
+  <p:clrMapOvr>
+    <a:masterClrMapping/>
+  </p:clrMapOvr>
+</p:sld>
+</file>
+
+<file path=ppt/slides/slide2.xml><?xml version="1.0" encoding="utf-8"?>
+<p:sld xmlns:a="http://schemas.openxmlformats.org/drawingml/2006/main" xmlns:r="http://schemas.openxmlformats.org/officeDocument/2006/relationships" xmlns:p="http://schemas.openxmlformats.org/presentationml/2006/main">
+  <p:cSld>
+    <p:spTree>
+      <p:nvGrpSpPr>
+        <p:cNvPr id="1" name=""/>
+        <p:cNvGrpSpPr/>
+        <p:nvPr/>
+      </p:nvGrpSpPr>
+      <p:grpSpPr>
+        <a:xfrm>
+          <a:off x="0" y="0"/>
+          <a:ext cx="0" cy="0"/>
+          <a:chOff x="0" y="0"/>
+          <a:chExt cx="0" cy="0"/>
+        </a:xfrm>
+      </p:grpSpPr>
       <p:sp>
         <p:nvSpPr>
           <p:cNvPr id="226" name="모서리가 둥근 직사각형 225"/>
@@ -3586,7 +4667,7 @@
           <a:p>
             <a:pPr algn="ctr"/>
             <a:r>
-              <a:rPr lang="en-US" altLang="ko-KR" sz="1200" dirty="0" smtClean="0"/>
+              <a:rPr lang="en-US" altLang="ko-KR" sz="1200" dirty="0"/>
               <a:t>raw</a:t>
             </a:r>
             <a:endParaRPr lang="ko-KR" altLang="en-US" sz="1200" dirty="0"/>
@@ -3635,7 +4716,7 @@
           <a:p>
             <a:pPr algn="ctr"/>
             <a:r>
-              <a:rPr lang="en-US" altLang="ko-KR" sz="1100" dirty="0" smtClean="0">
+              <a:rPr lang="en-US" altLang="ko-KR" sz="1100" dirty="0">
                 <a:solidFill>
                   <a:schemeClr val="tx2"/>
                 </a:solidFill>
@@ -3687,7 +4768,7 @@
           <a:p>
             <a:pPr algn="ctr"/>
             <a:r>
-              <a:rPr lang="en-US" altLang="ko-KR" sz="1200" dirty="0" smtClean="0"/>
+              <a:rPr lang="en-US" altLang="ko-KR" sz="1200" dirty="0"/>
               <a:t>mangle</a:t>
             </a:r>
             <a:endParaRPr lang="ko-KR" altLang="en-US" sz="1200" dirty="0"/>
@@ -3736,23 +4817,12 @@
           <a:p>
             <a:pPr algn="ctr"/>
             <a:r>
-              <a:rPr lang="en-US" altLang="ko-KR" sz="1100" smtClean="0">
+              <a:rPr lang="en-US" altLang="ko-KR" sz="1100">
                 <a:solidFill>
                   <a:schemeClr val="tx2"/>
                 </a:solidFill>
               </a:rPr>
-              <a:t>Rounting</a:t>
-            </a:r>
-          </a:p>
-          <a:p>
-            <a:pPr algn="ctr"/>
-            <a:r>
-              <a:rPr lang="en-US" altLang="ko-KR" sz="1100" smtClean="0">
-                <a:solidFill>
-                  <a:schemeClr val="tx2"/>
-                </a:solidFill>
-              </a:rPr>
-              <a:t>(Forwarding)</a:t>
+              <a:t>Rounting - Forwarding</a:t>
             </a:r>
             <a:endParaRPr lang="ko-KR" altLang="en-US" sz="1100" dirty="0">
               <a:solidFill>
@@ -3799,19 +4869,19 @@
           <a:p>
             <a:pPr algn="ctr"/>
             <a:r>
-              <a:rPr lang="en-US" altLang="ko-KR" sz="1200" dirty="0" err="1" smtClean="0"/>
+              <a:rPr lang="en-US" altLang="ko-KR" sz="1200" dirty="0" err="1"/>
               <a:t>nat</a:t>
             </a:r>
             <a:r>
-              <a:rPr lang="en-US" altLang="ko-KR" sz="1200" dirty="0" smtClean="0"/>
+              <a:rPr lang="en-US" altLang="ko-KR" sz="1200" dirty="0"/>
               <a:t> (</a:t>
             </a:r>
             <a:r>
-              <a:rPr lang="en-US" altLang="ko-KR" sz="1200" dirty="0" err="1" smtClean="0"/>
+              <a:rPr lang="en-US" altLang="ko-KR" sz="1200" dirty="0" err="1"/>
               <a:t>DNAT</a:t>
             </a:r>
             <a:r>
-              <a:rPr lang="en-US" altLang="ko-KR" sz="1200" dirty="0" smtClean="0"/>
+              <a:rPr lang="en-US" altLang="ko-KR" sz="1200" dirty="0"/>
               <a:t>)</a:t>
             </a:r>
             <a:endParaRPr lang="ko-KR" altLang="en-US" sz="1200" dirty="0"/>
@@ -3859,7 +4929,7 @@
           <a:p>
             <a:pPr algn="ctr"/>
             <a:r>
-              <a:rPr lang="en-US" altLang="ko-KR" sz="1200" b="1" dirty="0" err="1" smtClean="0"/>
+              <a:rPr lang="en-US" altLang="ko-KR" sz="1200" b="1" dirty="0" err="1"/>
               <a:t>PREROUTING</a:t>
             </a:r>
             <a:endParaRPr lang="ko-KR" altLang="en-US" sz="1200" b="1" dirty="0"/>
@@ -3907,7 +4977,7 @@
           <a:p>
             <a:pPr algn="ctr"/>
             <a:r>
-              <a:rPr lang="en-US" altLang="ko-KR" sz="1200" b="1" dirty="0" smtClean="0"/>
+              <a:rPr lang="en-US" altLang="ko-KR" sz="1200" b="1" dirty="0"/>
               <a:t>INPUT</a:t>
             </a:r>
             <a:endParaRPr lang="ko-KR" altLang="en-US" sz="1200" b="1" dirty="0"/>
@@ -3955,7 +5025,7 @@
           <a:p>
             <a:pPr algn="ctr"/>
             <a:r>
-              <a:rPr lang="en-US" altLang="ko-KR" sz="1200" b="1" dirty="0" smtClean="0"/>
+              <a:rPr lang="en-US" altLang="ko-KR" sz="1200" b="1" dirty="0"/>
               <a:t>FORWARD</a:t>
             </a:r>
             <a:endParaRPr lang="ko-KR" altLang="en-US" sz="1200" b="1" dirty="0"/>
@@ -4003,7 +5073,7 @@
           <a:p>
             <a:pPr algn="ctr"/>
             <a:r>
-              <a:rPr lang="en-US" altLang="ko-KR" sz="1200" b="1" dirty="0" smtClean="0"/>
+              <a:rPr lang="en-US" altLang="ko-KR" sz="1200" b="1" dirty="0"/>
               <a:t>OUTPUT</a:t>
             </a:r>
             <a:endParaRPr lang="ko-KR" altLang="en-US" sz="1200" b="1" dirty="0"/>
@@ -4164,7 +5234,7 @@
           <a:p>
             <a:pPr algn="ctr"/>
             <a:r>
-              <a:rPr lang="en-US" altLang="ko-KR" sz="1200" dirty="0" smtClean="0"/>
+              <a:rPr lang="en-US" altLang="ko-KR" sz="1200" dirty="0"/>
               <a:t>filter</a:t>
             </a:r>
             <a:endParaRPr lang="ko-KR" altLang="en-US" sz="1200" dirty="0"/>
@@ -4208,7 +5278,7 @@
           <a:p>
             <a:pPr algn="ctr"/>
             <a:r>
-              <a:rPr lang="en-US" altLang="ko-KR" sz="1200" dirty="0" smtClean="0"/>
+              <a:rPr lang="en-US" altLang="ko-KR" sz="1200" dirty="0"/>
               <a:t>mangle</a:t>
             </a:r>
             <a:endParaRPr lang="ko-KR" altLang="en-US" sz="1200" dirty="0"/>
@@ -4252,7 +5322,7 @@
           <a:p>
             <a:pPr algn="ctr"/>
             <a:r>
-              <a:rPr lang="en-US" altLang="ko-KR" sz="1200" dirty="0" smtClean="0"/>
+              <a:rPr lang="en-US" altLang="ko-KR" sz="1200" dirty="0"/>
               <a:t>security</a:t>
             </a:r>
             <a:endParaRPr lang="ko-KR" altLang="en-US" sz="1200" dirty="0"/>
@@ -4296,7 +5366,7 @@
           <a:p>
             <a:pPr algn="ctr"/>
             <a:r>
-              <a:rPr lang="en-US" altLang="ko-KR" sz="1200" dirty="0" smtClean="0"/>
+              <a:rPr lang="en-US" altLang="ko-KR" sz="1200" dirty="0"/>
               <a:t>mangle</a:t>
             </a:r>
             <a:endParaRPr lang="ko-KR" altLang="en-US" sz="1200" dirty="0"/>
@@ -4340,7 +5410,7 @@
           <a:p>
             <a:pPr algn="ctr"/>
             <a:r>
-              <a:rPr lang="en-US" altLang="ko-KR" sz="1200" dirty="0" smtClean="0"/>
+              <a:rPr lang="en-US" altLang="ko-KR" sz="1200" dirty="0"/>
               <a:t>filter</a:t>
             </a:r>
             <a:endParaRPr lang="ko-KR" altLang="en-US" sz="1200" dirty="0"/>
@@ -4384,7 +5454,7 @@
           <a:p>
             <a:pPr algn="ctr"/>
             <a:r>
-              <a:rPr lang="en-US" altLang="ko-KR" sz="1200" dirty="0" smtClean="0"/>
+              <a:rPr lang="en-US" altLang="ko-KR" sz="1200" dirty="0"/>
               <a:t>security</a:t>
             </a:r>
             <a:endParaRPr lang="ko-KR" altLang="en-US" sz="1200" dirty="0"/>
@@ -4428,19 +5498,19 @@
           <a:p>
             <a:pPr algn="ctr"/>
             <a:r>
-              <a:rPr lang="en-US" altLang="ko-KR" sz="1200" dirty="0" err="1" smtClean="0"/>
+              <a:rPr lang="en-US" altLang="ko-KR" sz="1200" dirty="0" err="1"/>
               <a:t>nat</a:t>
             </a:r>
             <a:r>
-              <a:rPr lang="en-US" altLang="ko-KR" sz="1200" dirty="0" smtClean="0"/>
+              <a:rPr lang="en-US" altLang="ko-KR" sz="1200" dirty="0"/>
               <a:t> (</a:t>
             </a:r>
             <a:r>
-              <a:rPr lang="en-US" altLang="ko-KR" sz="1200" dirty="0" err="1" smtClean="0"/>
+              <a:rPr lang="en-US" altLang="ko-KR" sz="1200" dirty="0" err="1"/>
               <a:t>SNAT</a:t>
             </a:r>
             <a:r>
-              <a:rPr lang="en-US" altLang="ko-KR" sz="1200" dirty="0" smtClean="0"/>
+              <a:rPr lang="en-US" altLang="ko-KR" sz="1200" dirty="0"/>
               <a:t>)</a:t>
             </a:r>
             <a:endParaRPr lang="ko-KR" altLang="en-US" sz="1200" dirty="0"/>
@@ -4484,7 +5554,7 @@
           <a:p>
             <a:pPr algn="ctr"/>
             <a:r>
-              <a:rPr lang="en-US" altLang="ko-KR" sz="1200" dirty="0" smtClean="0"/>
+              <a:rPr lang="en-US" altLang="ko-KR" sz="1200" dirty="0"/>
               <a:t>raw</a:t>
             </a:r>
             <a:endParaRPr lang="ko-KR" altLang="en-US" sz="1200" dirty="0"/>
@@ -4533,7 +5603,7 @@
           <a:p>
             <a:pPr algn="ctr"/>
             <a:r>
-              <a:rPr lang="en-US" altLang="ko-KR" sz="1100" dirty="0" smtClean="0">
+              <a:rPr lang="en-US" altLang="ko-KR" sz="1100" dirty="0">
                 <a:solidFill>
                   <a:schemeClr val="tx2"/>
                 </a:solidFill>
@@ -4585,7 +5655,7 @@
           <a:p>
             <a:pPr algn="ctr"/>
             <a:r>
-              <a:rPr lang="en-US" altLang="ko-KR" sz="1200" dirty="0" smtClean="0"/>
+              <a:rPr lang="en-US" altLang="ko-KR" sz="1200" dirty="0"/>
               <a:t>filter</a:t>
             </a:r>
             <a:endParaRPr lang="ko-KR" altLang="en-US" sz="1200" dirty="0"/>
@@ -4629,7 +5699,7 @@
           <a:p>
             <a:pPr algn="ctr"/>
             <a:r>
-              <a:rPr lang="en-US" altLang="ko-KR" sz="1200" dirty="0" smtClean="0"/>
+              <a:rPr lang="en-US" altLang="ko-KR" sz="1200" dirty="0"/>
               <a:t>security</a:t>
             </a:r>
             <a:endParaRPr lang="ko-KR" altLang="en-US" sz="1200" dirty="0"/>
@@ -4673,7 +5743,7 @@
           <a:p>
             <a:pPr algn="ctr"/>
             <a:r>
-              <a:rPr lang="en-US" altLang="ko-KR" sz="1200" dirty="0" smtClean="0"/>
+              <a:rPr lang="en-US" altLang="ko-KR" sz="1200" dirty="0"/>
               <a:t>mangle</a:t>
             </a:r>
             <a:endParaRPr lang="ko-KR" altLang="en-US" sz="1200" dirty="0"/>
@@ -5068,7 +6138,7 @@
           <a:p>
             <a:pPr algn="ctr"/>
             <a:r>
-              <a:rPr lang="en-US" altLang="ko-KR" sz="1200" dirty="0" smtClean="0"/>
+              <a:rPr lang="en-US" altLang="ko-KR" sz="1200" dirty="0"/>
               <a:t>mangle</a:t>
             </a:r>
             <a:endParaRPr lang="ko-KR" altLang="en-US" sz="1200" dirty="0"/>
@@ -5151,19 +6221,19 @@
           <a:p>
             <a:pPr algn="ctr"/>
             <a:r>
-              <a:rPr lang="en-US" altLang="ko-KR" sz="1200" dirty="0" err="1" smtClean="0"/>
+              <a:rPr lang="en-US" altLang="ko-KR" sz="1200" dirty="0" err="1"/>
               <a:t>nat</a:t>
             </a:r>
             <a:r>
-              <a:rPr lang="en-US" altLang="ko-KR" sz="1200" dirty="0" smtClean="0"/>
+              <a:rPr lang="en-US" altLang="ko-KR" sz="1200" dirty="0"/>
               <a:t> (</a:t>
             </a:r>
             <a:r>
-              <a:rPr lang="en-US" altLang="ko-KR" sz="1200" dirty="0" err="1" smtClean="0"/>
+              <a:rPr lang="en-US" altLang="ko-KR" sz="1200" dirty="0" err="1"/>
               <a:t>DNAT</a:t>
             </a:r>
             <a:r>
-              <a:rPr lang="en-US" altLang="ko-KR" sz="1200" dirty="0" smtClean="0"/>
+              <a:rPr lang="en-US" altLang="ko-KR" sz="1200" dirty="0"/>
               <a:t>)</a:t>
             </a:r>
             <a:endParaRPr lang="ko-KR" altLang="en-US" sz="1200" dirty="0"/>
@@ -5324,19 +6394,19 @@
           <a:p>
             <a:pPr algn="ctr"/>
             <a:r>
-              <a:rPr lang="en-US" altLang="ko-KR" sz="1200" dirty="0" err="1" smtClean="0"/>
+              <a:rPr lang="en-US" altLang="ko-KR" sz="1200" dirty="0" err="1"/>
               <a:t>nat</a:t>
             </a:r>
             <a:r>
-              <a:rPr lang="en-US" altLang="ko-KR" sz="1200" dirty="0" smtClean="0"/>
+              <a:rPr lang="en-US" altLang="ko-KR" sz="1200" dirty="0"/>
               <a:t> (</a:t>
             </a:r>
             <a:r>
-              <a:rPr lang="en-US" altLang="ko-KR" sz="1200" dirty="0" err="1" smtClean="0"/>
+              <a:rPr lang="en-US" altLang="ko-KR" sz="1200" dirty="0" err="1"/>
               <a:t>SNAT</a:t>
             </a:r>
             <a:r>
-              <a:rPr lang="en-US" altLang="ko-KR" sz="1200" dirty="0" smtClean="0"/>
+              <a:rPr lang="en-US" altLang="ko-KR" sz="1200" dirty="0"/>
               <a:t>)</a:t>
             </a:r>
             <a:endParaRPr lang="ko-KR" altLang="en-US" sz="1200" dirty="0"/>
@@ -5609,7 +6679,7 @@
           <a:p>
             <a:pPr algn="ctr"/>
             <a:r>
-              <a:rPr lang="en-US" altLang="ko-KR" sz="1200" b="1" dirty="0" err="1" smtClean="0"/>
+              <a:rPr lang="en-US" altLang="ko-KR" sz="1200" b="1" dirty="0" err="1"/>
               <a:t>POSTROUTING</a:t>
             </a:r>
             <a:endParaRPr lang="ko-KR" altLang="en-US" sz="1200" b="1" dirty="0"/>
@@ -5778,7 +6848,7 @@
           <a:p>
             <a:pPr algn="ctr"/>
             <a:r>
-              <a:rPr lang="en-US" altLang="ko-KR" sz="1200" dirty="0" smtClean="0"/>
+              <a:rPr lang="en-US" altLang="ko-KR" sz="1200" dirty="0"/>
               <a:t>Network</a:t>
             </a:r>
             <a:endParaRPr lang="ko-KR" altLang="en-US" sz="1200" dirty="0"/>
@@ -5858,7 +6928,7 @@
           <a:p>
             <a:pPr algn="ctr"/>
             <a:r>
-              <a:rPr lang="en-US" altLang="ko-KR" sz="1200" dirty="0" smtClean="0"/>
+              <a:rPr lang="en-US" altLang="ko-KR" sz="1200" dirty="0"/>
               <a:t>Network</a:t>
             </a:r>
             <a:endParaRPr lang="ko-KR" altLang="en-US" sz="1200" dirty="0"/>
@@ -5945,7 +7015,7 @@
           <a:lstStyle/>
           <a:p>
             <a:r>
-              <a:rPr lang="en-US" altLang="ko-KR" sz="1200" smtClean="0"/>
+              <a:rPr lang="en-US" altLang="ko-KR" sz="1200"/>
               <a:t>- iptables’s table</a:t>
             </a:r>
             <a:endParaRPr lang="ko-KR" altLang="en-US" sz="1200" dirty="0"/>
@@ -6113,7 +7183,7 @@
           <a:lstStyle/>
           <a:p>
             <a:r>
-              <a:rPr lang="en-US" altLang="ko-KR" sz="1200" smtClean="0"/>
+              <a:rPr lang="en-US" altLang="ko-KR" sz="1200"/>
               <a:t>- not iptables’s table</a:t>
             </a:r>
             <a:endParaRPr lang="ko-KR" altLang="en-US" sz="1200" dirty="0"/>
@@ -6162,23 +7232,23 @@
           <a:p>
             <a:pPr algn="ctr"/>
             <a:r>
-              <a:rPr lang="en-US" altLang="ko-KR" sz="1100" smtClean="0">
+              <a:rPr lang="en-US" altLang="ko-KR" sz="1100">
                 <a:solidFill>
                   <a:schemeClr val="tx2"/>
                 </a:solidFill>
               </a:rPr>
-              <a:t>Routing</a:t>
+              <a:t>Routing -</a:t>
             </a:r>
           </a:p>
           <a:p>
             <a:pPr algn="ctr"/>
             <a:r>
-              <a:rPr lang="en-US" altLang="ko-KR" sz="1100" smtClean="0">
+              <a:rPr lang="en-US" altLang="ko-KR" sz="1100">
                 <a:solidFill>
                   <a:schemeClr val="tx2"/>
                 </a:solidFill>
               </a:rPr>
-              <a:t>(Interface)</a:t>
+              <a:t>Interface</a:t>
             </a:r>
             <a:endParaRPr lang="ko-KR" altLang="en-US" sz="1100" dirty="0">
               <a:solidFill>
@@ -6268,18 +7338,24 @@
           <a:p>
             <a:pPr algn="ctr"/>
             <a:r>
-              <a:rPr lang="en-US" altLang="ko-KR" sz="1100" smtClean="0">
+              <a:rPr lang="en-US" altLang="ko-KR" sz="1100">
                 <a:solidFill>
                   <a:schemeClr val="tx2"/>
                 </a:solidFill>
               </a:rPr>
-              <a:t>Application</a:t>
-            </a:r>
-            <a:endParaRPr lang="ko-KR" altLang="en-US" sz="1100" dirty="0">
-              <a:solidFill>
-                <a:schemeClr val="tx2"/>
-              </a:solidFill>
-            </a:endParaRPr>
+              <a:t>Process</a:t>
+            </a:r>
+          </a:p>
+          <a:p>
+            <a:pPr algn="ctr"/>
+            <a:r>
+              <a:rPr lang="en-US" altLang="ko-KR" sz="1100">
+                <a:solidFill>
+                  <a:schemeClr val="tx2"/>
+                </a:solidFill>
+              </a:rPr>
+              <a:t>(Application)</a:t>
+            </a:r>
           </a:p>
         </p:txBody>
       </p:sp>
@@ -6293,13 +7369,6 @@
   <p:clrMapOvr>
     <a:masterClrMapping/>
   </p:clrMapOvr>
-  <p:timing>
-    <p:tnLst>
-      <p:par>
-        <p:cTn id="1" dur="indefinite" restart="never" nodeType="tmRoot"/>
-      </p:par>
-    </p:tnLst>
-  </p:timing>
 </p:sld>
 </file>
 

--- a/images/theory_analysis/Linux_Netfilter_iptables/Linux_netfilter_iptables.pptx
+++ b/images/theory_analysis/Linux_Netfilter_iptables/Linux_netfilter_iptables.pptx
@@ -214,7 +214,7 @@
           <a:p>
             <a:fld id="{6CD5550B-26C4-49A9-A5BA-636EF7BE6CE9}" type="datetimeFigureOut">
               <a:rPr lang="ko-KR" altLang="en-US" smtClean="0"/>
-              <a:t>2019-04-04</a:t>
+              <a:t>2019-05-09</a:t>
             </a:fld>
             <a:endParaRPr lang="ko-KR" altLang="en-US"/>
           </a:p>
@@ -828,7 +828,7 @@
           <a:p>
             <a:fld id="{FB30EDBD-1C2D-4C1E-B459-B60219FAB484}" type="datetimeFigureOut">
               <a:rPr lang="ko-KR" altLang="en-US" smtClean="0"/>
-              <a:t>2019-04-04</a:t>
+              <a:t>2019-05-09</a:t>
             </a:fld>
             <a:endParaRPr lang="ko-KR" altLang="en-US"/>
           </a:p>
@@ -991,7 +991,7 @@
           <a:p>
             <a:fld id="{FB30EDBD-1C2D-4C1E-B459-B60219FAB484}" type="datetimeFigureOut">
               <a:rPr lang="ko-KR" altLang="en-US" smtClean="0"/>
-              <a:t>2019-04-04</a:t>
+              <a:t>2019-05-09</a:t>
             </a:fld>
             <a:endParaRPr lang="ko-KR" altLang="en-US"/>
           </a:p>
@@ -1164,7 +1164,7 @@
           <a:p>
             <a:fld id="{FB30EDBD-1C2D-4C1E-B459-B60219FAB484}" type="datetimeFigureOut">
               <a:rPr lang="ko-KR" altLang="en-US" smtClean="0"/>
-              <a:t>2019-04-04</a:t>
+              <a:t>2019-05-09</a:t>
             </a:fld>
             <a:endParaRPr lang="ko-KR" altLang="en-US"/>
           </a:p>
@@ -1327,7 +1327,7 @@
           <a:p>
             <a:fld id="{FB30EDBD-1C2D-4C1E-B459-B60219FAB484}" type="datetimeFigureOut">
               <a:rPr lang="ko-KR" altLang="en-US" smtClean="0"/>
-              <a:t>2019-04-04</a:t>
+              <a:t>2019-05-09</a:t>
             </a:fld>
             <a:endParaRPr lang="ko-KR" altLang="en-US"/>
           </a:p>
@@ -1567,7 +1567,7 @@
           <a:p>
             <a:fld id="{FB30EDBD-1C2D-4C1E-B459-B60219FAB484}" type="datetimeFigureOut">
               <a:rPr lang="ko-KR" altLang="en-US" smtClean="0"/>
-              <a:t>2019-04-04</a:t>
+              <a:t>2019-05-09</a:t>
             </a:fld>
             <a:endParaRPr lang="ko-KR" altLang="en-US"/>
           </a:p>
@@ -1847,7 +1847,7 @@
           <a:p>
             <a:fld id="{FB30EDBD-1C2D-4C1E-B459-B60219FAB484}" type="datetimeFigureOut">
               <a:rPr lang="ko-KR" altLang="en-US" smtClean="0"/>
-              <a:t>2019-04-04</a:t>
+              <a:t>2019-05-09</a:t>
             </a:fld>
             <a:endParaRPr lang="ko-KR" altLang="en-US"/>
           </a:p>
@@ -2261,7 +2261,7 @@
           <a:p>
             <a:fld id="{FB30EDBD-1C2D-4C1E-B459-B60219FAB484}" type="datetimeFigureOut">
               <a:rPr lang="ko-KR" altLang="en-US" smtClean="0"/>
-              <a:t>2019-04-04</a:t>
+              <a:t>2019-05-09</a:t>
             </a:fld>
             <a:endParaRPr lang="ko-KR" altLang="en-US"/>
           </a:p>
@@ -2373,7 +2373,7 @@
           <a:p>
             <a:fld id="{FB30EDBD-1C2D-4C1E-B459-B60219FAB484}" type="datetimeFigureOut">
               <a:rPr lang="ko-KR" altLang="en-US" smtClean="0"/>
-              <a:t>2019-04-04</a:t>
+              <a:t>2019-05-09</a:t>
             </a:fld>
             <a:endParaRPr lang="ko-KR" altLang="en-US"/>
           </a:p>
@@ -2463,7 +2463,7 @@
           <a:p>
             <a:fld id="{FB30EDBD-1C2D-4C1E-B459-B60219FAB484}" type="datetimeFigureOut">
               <a:rPr lang="ko-KR" altLang="en-US" smtClean="0"/>
-              <a:t>2019-04-04</a:t>
+              <a:t>2019-05-09</a:t>
             </a:fld>
             <a:endParaRPr lang="ko-KR" altLang="en-US"/>
           </a:p>
@@ -2733,7 +2733,7 @@
           <a:p>
             <a:fld id="{FB30EDBD-1C2D-4C1E-B459-B60219FAB484}" type="datetimeFigureOut">
               <a:rPr lang="ko-KR" altLang="en-US" smtClean="0"/>
-              <a:t>2019-04-04</a:t>
+              <a:t>2019-05-09</a:t>
             </a:fld>
             <a:endParaRPr lang="ko-KR" altLang="en-US"/>
           </a:p>
@@ -2980,7 +2980,7 @@
           <a:p>
             <a:fld id="{FB30EDBD-1C2D-4C1E-B459-B60219FAB484}" type="datetimeFigureOut">
               <a:rPr lang="ko-KR" altLang="en-US" smtClean="0"/>
-              <a:t>2019-04-04</a:t>
+              <a:t>2019-05-09</a:t>
             </a:fld>
             <a:endParaRPr lang="ko-KR" altLang="en-US"/>
           </a:p>
@@ -3186,7 +3186,7 @@
           <a:p>
             <a:fld id="{FB30EDBD-1C2D-4C1E-B459-B60219FAB484}" type="datetimeFigureOut">
               <a:rPr lang="ko-KR" altLang="en-US" smtClean="0"/>
-              <a:t>2019-04-04</a:t>
+              <a:t>2019-05-09</a:t>
             </a:fld>
             <a:endParaRPr lang="ko-KR" altLang="en-US"/>
           </a:p>
@@ -3604,54 +3604,6 @@
       </p:cxnSp>
       <p:sp>
         <p:nvSpPr>
-          <p:cNvPr id="66" name="구름 65">
-            <a:extLst>
-              <a:ext uri="{FF2B5EF4-FFF2-40B4-BE49-F238E27FC236}">
-                <a16:creationId xmlns:a16="http://schemas.microsoft.com/office/drawing/2014/main" id="{351A9F8D-662B-423F-B892-238E035AE8AB}"/>
-              </a:ext>
-            </a:extLst>
-          </p:cNvPr>
-          <p:cNvSpPr/>
-          <p:nvPr/>
-        </p:nvSpPr>
-        <p:spPr>
-          <a:xfrm>
-            <a:off x="1547144" y="632631"/>
-            <a:ext cx="1506582" cy="709388"/>
-          </a:xfrm>
-          <a:prstGeom prst="cloud">
-            <a:avLst/>
-          </a:prstGeom>
-        </p:spPr>
-        <p:style>
-          <a:lnRef idx="2">
-            <a:schemeClr val="dk1"/>
-          </a:lnRef>
-          <a:fillRef idx="1">
-            <a:schemeClr val="lt1"/>
-          </a:fillRef>
-          <a:effectRef idx="0">
-            <a:schemeClr val="dk1"/>
-          </a:effectRef>
-          <a:fontRef idx="minor">
-            <a:schemeClr val="dk1"/>
-          </a:fontRef>
-        </p:style>
-        <p:txBody>
-          <a:bodyPr rtlCol="0" anchor="ctr"/>
-          <a:lstStyle/>
-          <a:p>
-            <a:pPr algn="ctr"/>
-            <a:r>
-              <a:rPr lang="en-US" altLang="ko-KR" sz="1200" dirty="0"/>
-              <a:t>Network</a:t>
-            </a:r>
-            <a:endParaRPr lang="ko-KR" altLang="en-US" sz="1200" dirty="0"/>
-          </a:p>
-        </p:txBody>
-      </p:sp>
-      <p:sp>
-        <p:nvSpPr>
           <p:cNvPr id="69" name="모서리가 둥근 직사각형 18">
             <a:extLst>
               <a:ext uri="{FF2B5EF4-FFF2-40B4-BE49-F238E27FC236}">
@@ -3774,15 +3726,15 @@
           </p:cNvPr>
           <p:cNvCxnSpPr>
             <a:cxnSpLocks/>
-            <a:stCxn id="66" idx="0"/>
+            <a:stCxn id="25" idx="3"/>
             <a:endCxn id="73" idx="1"/>
           </p:cNvCxnSpPr>
           <p:nvPr/>
         </p:nvCxnSpPr>
         <p:spPr>
           <a:xfrm>
-            <a:off x="3052471" y="987325"/>
-            <a:ext cx="292741" cy="0"/>
+            <a:off x="3051216" y="987325"/>
+            <a:ext cx="293996" cy="0"/>
           </a:xfrm>
           <a:prstGeom prst="straightConnector1">
             <a:avLst/>
@@ -3919,54 +3871,6 @@
                 <a:schemeClr val="tx2"/>
               </a:solidFill>
             </a:endParaRPr>
-          </a:p>
-        </p:txBody>
-      </p:sp>
-      <p:sp>
-        <p:nvSpPr>
-          <p:cNvPr id="93" name="구름 92">
-            <a:extLst>
-              <a:ext uri="{FF2B5EF4-FFF2-40B4-BE49-F238E27FC236}">
-                <a16:creationId xmlns:a16="http://schemas.microsoft.com/office/drawing/2014/main" id="{6C041A3F-A351-4FA5-BE08-F31D0D253275}"/>
-              </a:ext>
-            </a:extLst>
-          </p:cNvPr>
-          <p:cNvSpPr/>
-          <p:nvPr/>
-        </p:nvSpPr>
-        <p:spPr>
-          <a:xfrm>
-            <a:off x="1545889" y="3776438"/>
-            <a:ext cx="1506582" cy="709388"/>
-          </a:xfrm>
-          <a:prstGeom prst="cloud">
-            <a:avLst/>
-          </a:prstGeom>
-        </p:spPr>
-        <p:style>
-          <a:lnRef idx="2">
-            <a:schemeClr val="dk1"/>
-          </a:lnRef>
-          <a:fillRef idx="1">
-            <a:schemeClr val="lt1"/>
-          </a:fillRef>
-          <a:effectRef idx="0">
-            <a:schemeClr val="dk1"/>
-          </a:effectRef>
-          <a:fontRef idx="minor">
-            <a:schemeClr val="dk1"/>
-          </a:fontRef>
-        </p:style>
-        <p:txBody>
-          <a:bodyPr rtlCol="0" anchor="ctr"/>
-          <a:lstStyle/>
-          <a:p>
-            <a:pPr algn="ctr"/>
-            <a:r>
-              <a:rPr lang="en-US" altLang="ko-KR" sz="1200" dirty="0"/>
-              <a:t>Network</a:t>
-            </a:r>
-            <a:endParaRPr lang="ko-KR" altLang="en-US" sz="1200" dirty="0"/>
           </a:p>
         </p:txBody>
       </p:sp>
@@ -4517,7 +4421,6 @@
           <p:cNvCxnSpPr>
             <a:cxnSpLocks/>
             <a:stCxn id="133" idx="1"/>
-            <a:endCxn id="93" idx="0"/>
           </p:cNvCxnSpPr>
           <p:nvPr/>
         </p:nvCxnSpPr>
@@ -4551,6 +4454,132 @@
           </a:fontRef>
         </p:style>
       </p:cxnSp>
+      <p:sp>
+        <p:nvSpPr>
+          <p:cNvPr id="25" name="모서리가 둥근 직사각형 18">
+            <a:extLst>
+              <a:ext uri="{FF2B5EF4-FFF2-40B4-BE49-F238E27FC236}">
+                <a16:creationId xmlns:a16="http://schemas.microsoft.com/office/drawing/2014/main" id="{79F32FCD-D64A-4257-A3A9-738CA11BF630}"/>
+              </a:ext>
+            </a:extLst>
+          </p:cNvPr>
+          <p:cNvSpPr/>
+          <p:nvPr/>
+        </p:nvSpPr>
+        <p:spPr>
+          <a:xfrm>
+            <a:off x="1544634" y="807643"/>
+            <a:ext cx="1506582" cy="359364"/>
+          </a:xfrm>
+          <a:prstGeom prst="roundRect">
+            <a:avLst>
+              <a:gd name="adj" fmla="val 10708"/>
+            </a:avLst>
+          </a:prstGeom>
+          <a:ln>
+            <a:solidFill>
+              <a:schemeClr val="tx2"/>
+            </a:solidFill>
+          </a:ln>
+        </p:spPr>
+        <p:style>
+          <a:lnRef idx="2">
+            <a:schemeClr val="dk1"/>
+          </a:lnRef>
+          <a:fillRef idx="1">
+            <a:schemeClr val="lt1"/>
+          </a:fillRef>
+          <a:effectRef idx="0">
+            <a:schemeClr val="dk1"/>
+          </a:effectRef>
+          <a:fontRef idx="minor">
+            <a:schemeClr val="dk1"/>
+          </a:fontRef>
+        </p:style>
+        <p:txBody>
+          <a:bodyPr rtlCol="0" anchor="ctr"/>
+          <a:lstStyle/>
+          <a:p>
+            <a:pPr algn="ctr"/>
+            <a:r>
+              <a:rPr lang="en-US" altLang="ko-KR" sz="1200">
+                <a:solidFill>
+                  <a:schemeClr val="tx2"/>
+                </a:solidFill>
+              </a:rPr>
+              <a:t>Network Interface</a:t>
+            </a:r>
+            <a:endParaRPr lang="ko-KR" altLang="en-US" sz="1200" dirty="0">
+              <a:solidFill>
+                <a:schemeClr val="tx2"/>
+              </a:solidFill>
+            </a:endParaRPr>
+          </a:p>
+        </p:txBody>
+      </p:sp>
+      <p:sp>
+        <p:nvSpPr>
+          <p:cNvPr id="29" name="모서리가 둥근 직사각형 18">
+            <a:extLst>
+              <a:ext uri="{FF2B5EF4-FFF2-40B4-BE49-F238E27FC236}">
+                <a16:creationId xmlns:a16="http://schemas.microsoft.com/office/drawing/2014/main" id="{9F7CCDCD-04E7-4852-9660-87003311974E}"/>
+              </a:ext>
+            </a:extLst>
+          </p:cNvPr>
+          <p:cNvSpPr/>
+          <p:nvPr/>
+        </p:nvSpPr>
+        <p:spPr>
+          <a:xfrm>
+            <a:off x="1544634" y="3951450"/>
+            <a:ext cx="1506582" cy="359364"/>
+          </a:xfrm>
+          <a:prstGeom prst="roundRect">
+            <a:avLst>
+              <a:gd name="adj" fmla="val 10708"/>
+            </a:avLst>
+          </a:prstGeom>
+          <a:ln>
+            <a:solidFill>
+              <a:schemeClr val="tx2"/>
+            </a:solidFill>
+          </a:ln>
+        </p:spPr>
+        <p:style>
+          <a:lnRef idx="2">
+            <a:schemeClr val="dk1"/>
+          </a:lnRef>
+          <a:fillRef idx="1">
+            <a:schemeClr val="lt1"/>
+          </a:fillRef>
+          <a:effectRef idx="0">
+            <a:schemeClr val="dk1"/>
+          </a:effectRef>
+          <a:fontRef idx="minor">
+            <a:schemeClr val="dk1"/>
+          </a:fontRef>
+        </p:style>
+        <p:txBody>
+          <a:bodyPr rtlCol="0" anchor="ctr"/>
+          <a:lstStyle/>
+          <a:p>
+            <a:pPr algn="ctr"/>
+            <a:r>
+              <a:rPr lang="en-US" altLang="ko-KR" sz="1200">
+                <a:solidFill>
+                  <a:schemeClr val="tx2"/>
+                </a:solidFill>
+              </a:rPr>
+              <a:t>Network Interface</a:t>
+            </a:r>
+            <a:endParaRPr lang="ko-KR" altLang="en-US" sz="1200" dirty="0">
+              <a:solidFill>
+                <a:schemeClr val="tx2"/>
+              </a:solidFill>
+            </a:endParaRPr>
+          </a:p>
+        </p:txBody>
+      </p:sp>
     </p:spTree>
     <p:extLst>
       <p:ext uri="{BB962C8B-B14F-4D97-AF65-F5344CB8AC3E}">
@@ -6778,15 +6807,16 @@
         <p:nvCxnSpPr>
           <p:cNvPr id="314" name="직선 화살표 연결선 313"/>
           <p:cNvCxnSpPr>
-            <a:stCxn id="321" idx="0"/>
+            <a:cxnSpLocks/>
+            <a:stCxn id="69" idx="3"/>
             <a:endCxn id="14" idx="1"/>
           </p:cNvCxnSpPr>
           <p:nvPr/>
         </p:nvCxnSpPr>
         <p:spPr>
-          <a:xfrm flipV="1">
-            <a:off x="2565073" y="921803"/>
-            <a:ext cx="1358186" cy="2275"/>
+          <a:xfrm>
+            <a:off x="2446392" y="921803"/>
+            <a:ext cx="1476867" cy="0"/>
           </a:xfrm>
           <a:prstGeom prst="straightConnector1">
             <a:avLst/>
@@ -6813,53 +6843,13 @@
           </a:fontRef>
         </p:style>
       </p:cxnSp>
-      <p:sp>
-        <p:nvSpPr>
-          <p:cNvPr id="321" name="구름 320"/>
-          <p:cNvSpPr/>
-          <p:nvPr/>
-        </p:nvSpPr>
-        <p:spPr>
-          <a:xfrm>
-            <a:off x="1319973" y="630700"/>
-            <a:ext cx="1246138" cy="586756"/>
-          </a:xfrm>
-          <a:prstGeom prst="cloud">
-            <a:avLst/>
-          </a:prstGeom>
-        </p:spPr>
-        <p:style>
-          <a:lnRef idx="2">
-            <a:schemeClr val="dk1"/>
-          </a:lnRef>
-          <a:fillRef idx="1">
-            <a:schemeClr val="lt1"/>
-          </a:fillRef>
-          <a:effectRef idx="0">
-            <a:schemeClr val="dk1"/>
-          </a:effectRef>
-          <a:fontRef idx="minor">
-            <a:schemeClr val="dk1"/>
-          </a:fontRef>
-        </p:style>
-        <p:txBody>
-          <a:bodyPr rtlCol="0" anchor="ctr"/>
-          <a:lstStyle/>
-          <a:p>
-            <a:pPr algn="ctr"/>
-            <a:r>
-              <a:rPr lang="en-US" altLang="ko-KR" sz="1200" dirty="0"/>
-              <a:t>Network</a:t>
-            </a:r>
-            <a:endParaRPr lang="ko-KR" altLang="en-US" sz="1200" dirty="0"/>
-          </a:p>
-        </p:txBody>
-      </p:sp>
       <p:cxnSp>
         <p:nvCxnSpPr>
           <p:cNvPr id="339" name="직선 화살표 연결선 338"/>
           <p:cNvCxnSpPr>
+            <a:cxnSpLocks/>
             <a:stCxn id="209" idx="3"/>
+            <a:endCxn id="73" idx="1"/>
           </p:cNvCxnSpPr>
           <p:nvPr/>
         </p:nvCxnSpPr>
@@ -6893,48 +6883,6 @@
           </a:fontRef>
         </p:style>
       </p:cxnSp>
-      <p:sp>
-        <p:nvSpPr>
-          <p:cNvPr id="348" name="구름 347"/>
-          <p:cNvSpPr/>
-          <p:nvPr/>
-        </p:nvSpPr>
-        <p:spPr>
-          <a:xfrm>
-            <a:off x="3982602" y="4111779"/>
-            <a:ext cx="1246138" cy="586756"/>
-          </a:xfrm>
-          <a:prstGeom prst="cloud">
-            <a:avLst/>
-          </a:prstGeom>
-        </p:spPr>
-        <p:style>
-          <a:lnRef idx="2">
-            <a:schemeClr val="dk1"/>
-          </a:lnRef>
-          <a:fillRef idx="1">
-            <a:schemeClr val="lt1"/>
-          </a:fillRef>
-          <a:effectRef idx="0">
-            <a:schemeClr val="dk1"/>
-          </a:effectRef>
-          <a:fontRef idx="minor">
-            <a:schemeClr val="dk1"/>
-          </a:fontRef>
-        </p:style>
-        <p:txBody>
-          <a:bodyPr rtlCol="0" anchor="ctr"/>
-          <a:lstStyle/>
-          <a:p>
-            <a:pPr algn="ctr"/>
-            <a:r>
-              <a:rPr lang="en-US" altLang="ko-KR" sz="1200" dirty="0"/>
-              <a:t>Network</a:t>
-            </a:r>
-            <a:endParaRPr lang="ko-KR" altLang="en-US" sz="1200" dirty="0"/>
-          </a:p>
-        </p:txBody>
-      </p:sp>
       <p:sp>
         <p:nvSpPr>
           <p:cNvPr id="60" name="모서리가 둥근 직사각형 59"/>
@@ -7356,6 +7304,154 @@
               </a:rPr>
               <a:t>(Application)</a:t>
             </a:r>
+          </a:p>
+        </p:txBody>
+      </p:sp>
+      <p:sp>
+        <p:nvSpPr>
+          <p:cNvPr id="69" name="모서리가 둥근 직사각형 15">
+            <a:extLst>
+              <a:ext uri="{FF2B5EF4-FFF2-40B4-BE49-F238E27FC236}">
+                <a16:creationId xmlns:a16="http://schemas.microsoft.com/office/drawing/2014/main" id="{00E02709-0880-4954-93F4-F197B6CA0D9E}"/>
+              </a:ext>
+            </a:extLst>
+          </p:cNvPr>
+          <p:cNvSpPr/>
+          <p:nvPr/>
+        </p:nvSpPr>
+        <p:spPr>
+          <a:xfrm>
+            <a:off x="1437613" y="751836"/>
+            <a:ext cx="1008779" cy="339934"/>
+          </a:xfrm>
+          <a:prstGeom prst="roundRect">
+            <a:avLst>
+              <a:gd name="adj" fmla="val 6299"/>
+            </a:avLst>
+          </a:prstGeom>
+          <a:ln>
+            <a:solidFill>
+              <a:schemeClr val="tx2"/>
+            </a:solidFill>
+          </a:ln>
+        </p:spPr>
+        <p:style>
+          <a:lnRef idx="2">
+            <a:schemeClr val="dk1"/>
+          </a:lnRef>
+          <a:fillRef idx="1">
+            <a:schemeClr val="lt1"/>
+          </a:fillRef>
+          <a:effectRef idx="0">
+            <a:schemeClr val="dk1"/>
+          </a:effectRef>
+          <a:fontRef idx="minor">
+            <a:schemeClr val="dk1"/>
+          </a:fontRef>
+        </p:style>
+        <p:txBody>
+          <a:bodyPr rtlCol="0" anchor="ctr"/>
+          <a:lstStyle/>
+          <a:p>
+            <a:pPr algn="ctr"/>
+            <a:r>
+              <a:rPr lang="en-US" altLang="ko-KR" sz="1100">
+                <a:solidFill>
+                  <a:schemeClr val="tx2"/>
+                </a:solidFill>
+              </a:rPr>
+              <a:t>Network</a:t>
+            </a:r>
+          </a:p>
+          <a:p>
+            <a:pPr algn="ctr"/>
+            <a:r>
+              <a:rPr lang="en-US" altLang="ko-KR" sz="1100">
+                <a:solidFill>
+                  <a:schemeClr val="tx2"/>
+                </a:solidFill>
+              </a:rPr>
+              <a:t>Interface</a:t>
+            </a:r>
+            <a:endParaRPr lang="ko-KR" altLang="en-US" sz="1100" dirty="0">
+              <a:solidFill>
+                <a:schemeClr val="tx2"/>
+              </a:solidFill>
+            </a:endParaRPr>
+          </a:p>
+        </p:txBody>
+      </p:sp>
+      <p:sp>
+        <p:nvSpPr>
+          <p:cNvPr id="73" name="모서리가 둥근 직사각형 15">
+            <a:extLst>
+              <a:ext uri="{FF2B5EF4-FFF2-40B4-BE49-F238E27FC236}">
+                <a16:creationId xmlns:a16="http://schemas.microsoft.com/office/drawing/2014/main" id="{07F45CEB-88A5-4315-85B9-36E4F028B3AE}"/>
+              </a:ext>
+            </a:extLst>
+          </p:cNvPr>
+          <p:cNvSpPr/>
+          <p:nvPr/>
+        </p:nvSpPr>
+        <p:spPr>
+          <a:xfrm>
+            <a:off x="3982603" y="4174167"/>
+            <a:ext cx="1008779" cy="339934"/>
+          </a:xfrm>
+          <a:prstGeom prst="roundRect">
+            <a:avLst>
+              <a:gd name="adj" fmla="val 6299"/>
+            </a:avLst>
+          </a:prstGeom>
+          <a:ln>
+            <a:solidFill>
+              <a:schemeClr val="tx2"/>
+            </a:solidFill>
+          </a:ln>
+        </p:spPr>
+        <p:style>
+          <a:lnRef idx="2">
+            <a:schemeClr val="dk1"/>
+          </a:lnRef>
+          <a:fillRef idx="1">
+            <a:schemeClr val="lt1"/>
+          </a:fillRef>
+          <a:effectRef idx="0">
+            <a:schemeClr val="dk1"/>
+          </a:effectRef>
+          <a:fontRef idx="minor">
+            <a:schemeClr val="dk1"/>
+          </a:fontRef>
+        </p:style>
+        <p:txBody>
+          <a:bodyPr rtlCol="0" anchor="ctr"/>
+          <a:lstStyle/>
+          <a:p>
+            <a:pPr algn="ctr"/>
+            <a:r>
+              <a:rPr lang="en-US" altLang="ko-KR" sz="1100">
+                <a:solidFill>
+                  <a:schemeClr val="tx2"/>
+                </a:solidFill>
+              </a:rPr>
+              <a:t>Network</a:t>
+            </a:r>
+          </a:p>
+          <a:p>
+            <a:pPr algn="ctr"/>
+            <a:r>
+              <a:rPr lang="en-US" altLang="ko-KR" sz="1100">
+                <a:solidFill>
+                  <a:schemeClr val="tx2"/>
+                </a:solidFill>
+              </a:rPr>
+              <a:t>Interface</a:t>
+            </a:r>
+            <a:endParaRPr lang="ko-KR" altLang="en-US" sz="1100" dirty="0">
+              <a:solidFill>
+                <a:schemeClr val="tx2"/>
+              </a:solidFill>
+            </a:endParaRPr>
           </a:p>
         </p:txBody>
       </p:sp>

--- a/images/theory_analysis/Linux_Netfilter_iptables/Linux_netfilter_iptables.pptx
+++ b/images/theory_analysis/Linux_Netfilter_iptables/Linux_netfilter_iptables.pptx
@@ -214,7 +214,7 @@
           <a:p>
             <a:fld id="{6CD5550B-26C4-49A9-A5BA-636EF7BE6CE9}" type="datetimeFigureOut">
               <a:rPr lang="ko-KR" altLang="en-US" smtClean="0"/>
-              <a:t>2019-05-09</a:t>
+              <a:t>2019-11-01</a:t>
             </a:fld>
             <a:endParaRPr lang="ko-KR" altLang="en-US"/>
           </a:p>
@@ -828,7 +828,7 @@
           <a:p>
             <a:fld id="{FB30EDBD-1C2D-4C1E-B459-B60219FAB484}" type="datetimeFigureOut">
               <a:rPr lang="ko-KR" altLang="en-US" smtClean="0"/>
-              <a:t>2019-05-09</a:t>
+              <a:t>2019-11-01</a:t>
             </a:fld>
             <a:endParaRPr lang="ko-KR" altLang="en-US"/>
           </a:p>
@@ -991,7 +991,7 @@
           <a:p>
             <a:fld id="{FB30EDBD-1C2D-4C1E-B459-B60219FAB484}" type="datetimeFigureOut">
               <a:rPr lang="ko-KR" altLang="en-US" smtClean="0"/>
-              <a:t>2019-05-09</a:t>
+              <a:t>2019-11-01</a:t>
             </a:fld>
             <a:endParaRPr lang="ko-KR" altLang="en-US"/>
           </a:p>
@@ -1164,7 +1164,7 @@
           <a:p>
             <a:fld id="{FB30EDBD-1C2D-4C1E-B459-B60219FAB484}" type="datetimeFigureOut">
               <a:rPr lang="ko-KR" altLang="en-US" smtClean="0"/>
-              <a:t>2019-05-09</a:t>
+              <a:t>2019-11-01</a:t>
             </a:fld>
             <a:endParaRPr lang="ko-KR" altLang="en-US"/>
           </a:p>
@@ -1327,7 +1327,7 @@
           <a:p>
             <a:fld id="{FB30EDBD-1C2D-4C1E-B459-B60219FAB484}" type="datetimeFigureOut">
               <a:rPr lang="ko-KR" altLang="en-US" smtClean="0"/>
-              <a:t>2019-05-09</a:t>
+              <a:t>2019-11-01</a:t>
             </a:fld>
             <a:endParaRPr lang="ko-KR" altLang="en-US"/>
           </a:p>
@@ -1567,7 +1567,7 @@
           <a:p>
             <a:fld id="{FB30EDBD-1C2D-4C1E-B459-B60219FAB484}" type="datetimeFigureOut">
               <a:rPr lang="ko-KR" altLang="en-US" smtClean="0"/>
-              <a:t>2019-05-09</a:t>
+              <a:t>2019-11-01</a:t>
             </a:fld>
             <a:endParaRPr lang="ko-KR" altLang="en-US"/>
           </a:p>
@@ -1847,7 +1847,7 @@
           <a:p>
             <a:fld id="{FB30EDBD-1C2D-4C1E-B459-B60219FAB484}" type="datetimeFigureOut">
               <a:rPr lang="ko-KR" altLang="en-US" smtClean="0"/>
-              <a:t>2019-05-09</a:t>
+              <a:t>2019-11-01</a:t>
             </a:fld>
             <a:endParaRPr lang="ko-KR" altLang="en-US"/>
           </a:p>
@@ -2261,7 +2261,7 @@
           <a:p>
             <a:fld id="{FB30EDBD-1C2D-4C1E-B459-B60219FAB484}" type="datetimeFigureOut">
               <a:rPr lang="ko-KR" altLang="en-US" smtClean="0"/>
-              <a:t>2019-05-09</a:t>
+              <a:t>2019-11-01</a:t>
             </a:fld>
             <a:endParaRPr lang="ko-KR" altLang="en-US"/>
           </a:p>
@@ -2373,7 +2373,7 @@
           <a:p>
             <a:fld id="{FB30EDBD-1C2D-4C1E-B459-B60219FAB484}" type="datetimeFigureOut">
               <a:rPr lang="ko-KR" altLang="en-US" smtClean="0"/>
-              <a:t>2019-05-09</a:t>
+              <a:t>2019-11-01</a:t>
             </a:fld>
             <a:endParaRPr lang="ko-KR" altLang="en-US"/>
           </a:p>
@@ -2463,7 +2463,7 @@
           <a:p>
             <a:fld id="{FB30EDBD-1C2D-4C1E-B459-B60219FAB484}" type="datetimeFigureOut">
               <a:rPr lang="ko-KR" altLang="en-US" smtClean="0"/>
-              <a:t>2019-05-09</a:t>
+              <a:t>2019-11-01</a:t>
             </a:fld>
             <a:endParaRPr lang="ko-KR" altLang="en-US"/>
           </a:p>
@@ -2733,7 +2733,7 @@
           <a:p>
             <a:fld id="{FB30EDBD-1C2D-4C1E-B459-B60219FAB484}" type="datetimeFigureOut">
               <a:rPr lang="ko-KR" altLang="en-US" smtClean="0"/>
-              <a:t>2019-05-09</a:t>
+              <a:t>2019-11-01</a:t>
             </a:fld>
             <a:endParaRPr lang="ko-KR" altLang="en-US"/>
           </a:p>
@@ -2980,7 +2980,7 @@
           <a:p>
             <a:fld id="{FB30EDBD-1C2D-4C1E-B459-B60219FAB484}" type="datetimeFigureOut">
               <a:rPr lang="ko-KR" altLang="en-US" smtClean="0"/>
-              <a:t>2019-05-09</a:t>
+              <a:t>2019-11-01</a:t>
             </a:fld>
             <a:endParaRPr lang="ko-KR" altLang="en-US"/>
           </a:p>
@@ -3186,7 +3186,7 @@
           <a:p>
             <a:fld id="{FB30EDBD-1C2D-4C1E-B459-B60219FAB484}" type="datetimeFigureOut">
               <a:rPr lang="ko-KR" altLang="en-US" smtClean="0"/>
-              <a:t>2019-05-09</a:t>
+              <a:t>2019-11-01</a:t>
             </a:fld>
             <a:endParaRPr lang="ko-KR" altLang="en-US"/>
           </a:p>
@@ -3655,7 +3655,7 @@
                   <a:schemeClr val="tx2"/>
                 </a:solidFill>
               </a:rPr>
-              <a:t>Rounting - Forwarding</a:t>
+              <a:t>Rounting1</a:t>
             </a:r>
             <a:endParaRPr lang="ko-KR" altLang="en-US" sz="1200" dirty="0">
               <a:solidFill>
@@ -3864,7 +3864,7 @@
                   <a:schemeClr val="tx2"/>
                 </a:solidFill>
               </a:rPr>
-              <a:t>Rounting - Interface</a:t>
+              <a:t>Rounting2</a:t>
             </a:r>
             <a:endParaRPr lang="ko-KR" altLang="en-US" sz="1200" dirty="0">
               <a:solidFill>
@@ -3931,15 +3931,13 @@
           </p:cNvPr>
           <p:cNvCxnSpPr>
             <a:cxnSpLocks/>
-            <a:stCxn id="90" idx="2"/>
-            <a:endCxn id="91" idx="0"/>
           </p:cNvCxnSpPr>
           <p:nvPr/>
         </p:nvCxnSpPr>
         <p:spPr>
           <a:xfrm>
-            <a:off x="4389990" y="2740593"/>
-            <a:ext cx="0" cy="427429"/>
+            <a:off x="3779912" y="2740593"/>
+            <a:ext cx="0" cy="1210857"/>
           </a:xfrm>
           <a:prstGeom prst="straightConnector1">
             <a:avLst/>
@@ -4851,7 +4849,7 @@
                   <a:schemeClr val="tx2"/>
                 </a:solidFill>
               </a:rPr>
-              <a:t>Rounting - Forwarding</a:t>
+              <a:t>Rounting1</a:t>
             </a:r>
             <a:endParaRPr lang="ko-KR" altLang="en-US" sz="1100" dirty="0">
               <a:solidFill>
@@ -6485,15 +6483,16 @@
         <p:nvCxnSpPr>
           <p:cNvPr id="218" name="직선 화살표 연결선 217"/>
           <p:cNvCxnSpPr>
+            <a:cxnSpLocks/>
             <a:stCxn id="126" idx="0"/>
-            <a:endCxn id="140" idx="2"/>
+            <a:endCxn id="140" idx="3"/>
           </p:cNvCxnSpPr>
           <p:nvPr/>
         </p:nvCxnSpPr>
         <p:spPr>
           <a:xfrm flipH="1" flipV="1">
-            <a:off x="1935374" y="3296280"/>
-            <a:ext cx="2492278" cy="297386"/>
+            <a:off x="2439763" y="3126313"/>
+            <a:ext cx="1987889" cy="467353"/>
           </a:xfrm>
           <a:prstGeom prst="straightConnector1">
             <a:avLst/>
@@ -6764,45 +6763,6 @@
           </a:p>
         </p:txBody>
       </p:sp>
-      <p:cxnSp>
-        <p:nvCxnSpPr>
-          <p:cNvPr id="282" name="직선 화살표 연결선 281"/>
-          <p:cNvCxnSpPr>
-            <a:stCxn id="51" idx="2"/>
-            <a:endCxn id="140" idx="0"/>
-          </p:cNvCxnSpPr>
-          <p:nvPr/>
-        </p:nvCxnSpPr>
-        <p:spPr>
-          <a:xfrm>
-            <a:off x="1935374" y="1882960"/>
-            <a:ext cx="0" cy="1073386"/>
-          </a:xfrm>
-          <a:prstGeom prst="straightConnector1">
-            <a:avLst/>
-          </a:prstGeom>
-          <a:ln w="19050">
-            <a:solidFill>
-              <a:schemeClr val="tx1"/>
-            </a:solidFill>
-            <a:tailEnd type="arrow"/>
-          </a:ln>
-        </p:spPr>
-        <p:style>
-          <a:lnRef idx="1">
-            <a:schemeClr val="accent1"/>
-          </a:lnRef>
-          <a:fillRef idx="0">
-            <a:schemeClr val="accent1"/>
-          </a:fillRef>
-          <a:effectRef idx="0">
-            <a:schemeClr val="accent1"/>
-          </a:effectRef>
-          <a:fontRef idx="minor">
-            <a:schemeClr val="tx1"/>
-          </a:fontRef>
-        </p:style>
-      </p:cxnSp>
       <p:cxnSp>
         <p:nvCxnSpPr>
           <p:cNvPr id="314" name="직선 화살표 연결선 313"/>
@@ -7185,18 +7145,7 @@
                   <a:schemeClr val="tx2"/>
                 </a:solidFill>
               </a:rPr>
-              <a:t>Routing -</a:t>
-            </a:r>
-          </a:p>
-          <a:p>
-            <a:pPr algn="ctr"/>
-            <a:r>
-              <a:rPr lang="en-US" altLang="ko-KR" sz="1100">
-                <a:solidFill>
-                  <a:schemeClr val="tx2"/>
-                </a:solidFill>
-              </a:rPr>
-              <a:t>Interface</a:t>
+              <a:t>Routing2</a:t>
             </a:r>
             <a:endParaRPr lang="ko-KR" altLang="en-US" sz="1100" dirty="0">
               <a:solidFill>
@@ -7210,14 +7159,14 @@
         <p:nvCxnSpPr>
           <p:cNvPr id="145" name="직선 화살표 연결선 144"/>
           <p:cNvCxnSpPr>
-            <a:stCxn id="140" idx="2"/>
+            <a:cxnSpLocks/>
           </p:cNvCxnSpPr>
           <p:nvPr/>
         </p:nvCxnSpPr>
         <p:spPr>
           <a:xfrm>
-            <a:off x="1935374" y="3296280"/>
-            <a:ext cx="0" cy="877887"/>
+            <a:off x="1619672" y="1882960"/>
+            <a:ext cx="0" cy="2291207"/>
           </a:xfrm>
           <a:prstGeom prst="straightConnector1">
             <a:avLst/>
@@ -7455,6 +7404,52 @@
           </a:p>
         </p:txBody>
       </p:sp>
+      <p:cxnSp>
+        <p:nvCxnSpPr>
+          <p:cNvPr id="66" name="직선 화살표 연결선 65">
+            <a:extLst>
+              <a:ext uri="{FF2B5EF4-FFF2-40B4-BE49-F238E27FC236}">
+                <a16:creationId xmlns:a16="http://schemas.microsoft.com/office/drawing/2014/main" id="{597DE9A2-126B-417C-9E15-2D9EE7C4D0BC}"/>
+              </a:ext>
+            </a:extLst>
+          </p:cNvPr>
+          <p:cNvCxnSpPr>
+            <a:cxnSpLocks/>
+            <a:stCxn id="140" idx="2"/>
+            <a:endCxn id="127" idx="0"/>
+          </p:cNvCxnSpPr>
+          <p:nvPr/>
+        </p:nvCxnSpPr>
+        <p:spPr>
+          <a:xfrm>
+            <a:off x="1935374" y="3296280"/>
+            <a:ext cx="2179" cy="877887"/>
+          </a:xfrm>
+          <a:prstGeom prst="straightConnector1">
+            <a:avLst/>
+          </a:prstGeom>
+          <a:ln w="19050">
+            <a:solidFill>
+              <a:schemeClr val="tx1"/>
+            </a:solidFill>
+            <a:tailEnd type="arrow"/>
+          </a:ln>
+        </p:spPr>
+        <p:style>
+          <a:lnRef idx="1">
+            <a:schemeClr val="accent1"/>
+          </a:lnRef>
+          <a:fillRef idx="0">
+            <a:schemeClr val="accent1"/>
+          </a:fillRef>
+          <a:effectRef idx="0">
+            <a:schemeClr val="accent1"/>
+          </a:effectRef>
+          <a:fontRef idx="minor">
+            <a:schemeClr val="tx1"/>
+          </a:fontRef>
+        </p:style>
+      </p:cxnSp>
     </p:spTree>
     <p:extLst>
       <p:ext uri="{BB962C8B-B14F-4D97-AF65-F5344CB8AC3E}">
